--- a/clases/Cap06_Clustering/presentations/PAT06_BoW.pptx
+++ b/clases/Cap06_Clustering/presentations/PAT06_BoW.pptx
@@ -244,7 +244,7 @@
           <a:p>
             <a:fld id="{089CB84B-3086-824D-91F5-F571CFDD3E7D}" type="datetimeFigureOut">
               <a:rPr lang="en-US" smtClean="0"/>
-              <a:t>6/4/19</a:t>
+              <a:t>6/18/20</a:t>
             </a:fld>
             <a:endParaRPr lang="en-US"/>
           </a:p>
@@ -1454,9 +1454,9 @@
           <a:bodyPr/>
           <a:lstStyle/>
           <a:p>
-            <a:fld id="{D3AE09B4-90D0-1245-B83D-B1B2932963E4}" type="datetimeFigureOut">
-              <a:rPr lang="en-US" smtClean="0"/>
-              <a:t>6/4/19</a:t>
+            <a:fld id="{FDC2A9A1-8592-5C44-BA49-FCEEFBC6BFB1}" type="datetime1">
+              <a:rPr lang="en-AU" smtClean="0"/>
+              <a:t>18/6/20</a:t>
             </a:fld>
             <a:endParaRPr lang="en-US"/>
           </a:p>
@@ -1624,9 +1624,9 @@
           <a:bodyPr/>
           <a:lstStyle/>
           <a:p>
-            <a:fld id="{D3AE09B4-90D0-1245-B83D-B1B2932963E4}" type="datetimeFigureOut">
-              <a:rPr lang="en-US" smtClean="0"/>
-              <a:t>6/4/19</a:t>
+            <a:fld id="{73F47B60-2147-C745-87E8-C6E7FAFB1C62}" type="datetime1">
+              <a:rPr lang="en-AU" smtClean="0"/>
+              <a:t>18/6/20</a:t>
             </a:fld>
             <a:endParaRPr lang="en-US"/>
           </a:p>
@@ -1804,9 +1804,9 @@
           <a:bodyPr/>
           <a:lstStyle/>
           <a:p>
-            <a:fld id="{D3AE09B4-90D0-1245-B83D-B1B2932963E4}" type="datetimeFigureOut">
-              <a:rPr lang="en-US" smtClean="0"/>
-              <a:t>6/4/19</a:t>
+            <a:fld id="{9DEFB572-FD3F-204B-9825-B13E655A1F8A}" type="datetime1">
+              <a:rPr lang="en-AU" smtClean="0"/>
+              <a:t>18/6/20</a:t>
             </a:fld>
             <a:endParaRPr lang="en-US"/>
           </a:p>
@@ -1974,9 +1974,9 @@
           <a:bodyPr/>
           <a:lstStyle/>
           <a:p>
-            <a:fld id="{D3AE09B4-90D0-1245-B83D-B1B2932963E4}" type="datetimeFigureOut">
-              <a:rPr lang="en-US" smtClean="0"/>
-              <a:t>6/4/19</a:t>
+            <a:fld id="{A93B90D5-E0B4-814F-AFA5-20A1C8F83C81}" type="datetime1">
+              <a:rPr lang="en-AU" smtClean="0"/>
+              <a:t>18/6/20</a:t>
             </a:fld>
             <a:endParaRPr lang="en-US"/>
           </a:p>
@@ -2220,9 +2220,9 @@
           <a:bodyPr/>
           <a:lstStyle/>
           <a:p>
-            <a:fld id="{D3AE09B4-90D0-1245-B83D-B1B2932963E4}" type="datetimeFigureOut">
-              <a:rPr lang="en-US" smtClean="0"/>
-              <a:t>6/4/19</a:t>
+            <a:fld id="{B91A9266-8F70-894C-8C96-F52C373ECEC2}" type="datetime1">
+              <a:rPr lang="en-AU" smtClean="0"/>
+              <a:t>18/6/20</a:t>
             </a:fld>
             <a:endParaRPr lang="en-US"/>
           </a:p>
@@ -2508,9 +2508,9 @@
           <a:bodyPr/>
           <a:lstStyle/>
           <a:p>
-            <a:fld id="{D3AE09B4-90D0-1245-B83D-B1B2932963E4}" type="datetimeFigureOut">
-              <a:rPr lang="en-US" smtClean="0"/>
-              <a:t>6/4/19</a:t>
+            <a:fld id="{87A72E06-FD0B-824C-A84A-540FB76DA8DA}" type="datetime1">
+              <a:rPr lang="en-AU" smtClean="0"/>
+              <a:t>18/6/20</a:t>
             </a:fld>
             <a:endParaRPr lang="en-US"/>
           </a:p>
@@ -2930,9 +2930,9 @@
           <a:bodyPr/>
           <a:lstStyle/>
           <a:p>
-            <a:fld id="{D3AE09B4-90D0-1245-B83D-B1B2932963E4}" type="datetimeFigureOut">
-              <a:rPr lang="en-US" smtClean="0"/>
-              <a:t>6/4/19</a:t>
+            <a:fld id="{28873ACA-DF8F-D947-84AB-BCE6F011C429}" type="datetime1">
+              <a:rPr lang="en-AU" smtClean="0"/>
+              <a:t>18/6/20</a:t>
             </a:fld>
             <a:endParaRPr lang="en-US"/>
           </a:p>
@@ -3048,9 +3048,9 @@
           <a:bodyPr/>
           <a:lstStyle/>
           <a:p>
-            <a:fld id="{D3AE09B4-90D0-1245-B83D-B1B2932963E4}" type="datetimeFigureOut">
-              <a:rPr lang="en-US" smtClean="0"/>
-              <a:t>6/4/19</a:t>
+            <a:fld id="{FC7AECB6-C663-AC4D-92ED-EFB5A6AADCE0}" type="datetime1">
+              <a:rPr lang="en-AU" smtClean="0"/>
+              <a:t>18/6/20</a:t>
             </a:fld>
             <a:endParaRPr lang="en-US"/>
           </a:p>
@@ -3143,9 +3143,9 @@
           <a:bodyPr/>
           <a:lstStyle/>
           <a:p>
-            <a:fld id="{D3AE09B4-90D0-1245-B83D-B1B2932963E4}" type="datetimeFigureOut">
-              <a:rPr lang="en-US" smtClean="0"/>
-              <a:t>6/4/19</a:t>
+            <a:fld id="{1DC1D3D2-AFD7-1649-844B-6E38AB50EC58}" type="datetime1">
+              <a:rPr lang="en-AU" smtClean="0"/>
+              <a:t>18/6/20</a:t>
             </a:fld>
             <a:endParaRPr lang="en-US"/>
           </a:p>
@@ -3420,9 +3420,9 @@
           <a:bodyPr/>
           <a:lstStyle/>
           <a:p>
-            <a:fld id="{D3AE09B4-90D0-1245-B83D-B1B2932963E4}" type="datetimeFigureOut">
-              <a:rPr lang="en-US" smtClean="0"/>
-              <a:t>6/4/19</a:t>
+            <a:fld id="{3A2E7D84-2FAC-5543-9CEB-5442A2A1076E}" type="datetime1">
+              <a:rPr lang="en-AU" smtClean="0"/>
+              <a:t>18/6/20</a:t>
             </a:fld>
             <a:endParaRPr lang="en-US"/>
           </a:p>
@@ -3673,9 +3673,9 @@
           <a:bodyPr/>
           <a:lstStyle/>
           <a:p>
-            <a:fld id="{D3AE09B4-90D0-1245-B83D-B1B2932963E4}" type="datetimeFigureOut">
-              <a:rPr lang="en-US" smtClean="0"/>
-              <a:t>6/4/19</a:t>
+            <a:fld id="{DED5AEE6-552D-DE48-AE17-4C09CE755E32}" type="datetime1">
+              <a:rPr lang="en-AU" smtClean="0"/>
+              <a:t>18/6/20</a:t>
             </a:fld>
             <a:endParaRPr lang="en-US"/>
           </a:p>
@@ -3884,9 +3884,9 @@
             </a:lvl1pPr>
           </a:lstStyle>
           <a:p>
-            <a:fld id="{D3AE09B4-90D0-1245-B83D-B1B2932963E4}" type="datetimeFigureOut">
-              <a:rPr lang="en-US" smtClean="0"/>
-              <a:t>6/4/19</a:t>
+            <a:fld id="{14E3045B-5D64-6B4A-A612-B1F97422355E}" type="datetime1">
+              <a:rPr lang="en-AU" smtClean="0"/>
+              <a:t>18/6/20</a:t>
             </a:fld>
             <a:endParaRPr lang="en-US"/>
           </a:p>
@@ -3991,6 +3991,7 @@
     <p:sldLayoutId id="2147483658" r:id="rId10"/>
     <p:sldLayoutId id="2147483659" r:id="rId11"/>
   </p:sldLayoutIdLst>
+  <p:hf hdr="0" ftr="0" dt="0"/>
   <p:txStyles>
     <p:titleStyle>
       <a:lvl1pPr algn="ctr" defTabSz="457200" rtl="0" eaLnBrk="1" latinLnBrk="0" hangingPunct="1">
@@ -4993,6 +4994,35 @@
               </a:rPr>
               <a:t>[ Capítulo 6 ]</a:t>
             </a:r>
+          </a:p>
+        </p:txBody>
+      </p:sp>
+      <p:sp>
+        <p:nvSpPr>
+          <p:cNvPr id="2" name="Slide Number Placeholder 1">
+            <a:extLst>
+              <a:ext uri="{FF2B5EF4-FFF2-40B4-BE49-F238E27FC236}">
+                <a16:creationId xmlns:a16="http://schemas.microsoft.com/office/drawing/2014/main" id="{4CA314ED-66F3-6547-BA9F-A44BB16F3924}"/>
+              </a:ext>
+            </a:extLst>
+          </p:cNvPr>
+          <p:cNvSpPr>
+            <a:spLocks noGrp="1"/>
+          </p:cNvSpPr>
+          <p:nvPr>
+            <p:ph type="sldNum" sz="quarter" idx="12"/>
+          </p:nvPr>
+        </p:nvSpPr>
+        <p:spPr/>
+        <p:txBody>
+          <a:bodyPr/>
+          <a:lstStyle/>
+          <a:p>
+            <a:fld id="{9C0B2870-7350-8D40-A01A-CE539DF873CB}" type="slidenum">
+              <a:rPr lang="en-US" smtClean="0"/>
+              <a:t>1</a:t>
+            </a:fld>
+            <a:endParaRPr lang="en-US"/>
           </a:p>
         </p:txBody>
       </p:sp>
@@ -11169,6 +11199,77 @@
           </p:txBody>
         </p:sp>
       </p:grpSp>
+      <p:sp>
+        <p:nvSpPr>
+          <p:cNvPr id="4" name="Slide Number Placeholder 3">
+            <a:extLst>
+              <a:ext uri="{FF2B5EF4-FFF2-40B4-BE49-F238E27FC236}">
+                <a16:creationId xmlns:a16="http://schemas.microsoft.com/office/drawing/2014/main" id="{ED9A0F16-5AF4-5D45-AC94-D2CBFEC3F50A}"/>
+              </a:ext>
+            </a:extLst>
+          </p:cNvPr>
+          <p:cNvSpPr>
+            <a:spLocks noGrp="1"/>
+          </p:cNvSpPr>
+          <p:nvPr>
+            <p:ph type="sldNum" sz="quarter" idx="12"/>
+          </p:nvPr>
+        </p:nvSpPr>
+        <p:spPr/>
+        <p:txBody>
+          <a:bodyPr/>
+          <a:lstStyle/>
+          <a:p>
+            <a:fld id="{9C0B2870-7350-8D40-A01A-CE539DF873CB}" type="slidenum">
+              <a:rPr lang="en-US" smtClean="0"/>
+              <a:t>10</a:t>
+            </a:fld>
+            <a:endParaRPr lang="en-US"/>
+          </a:p>
+        </p:txBody>
+      </p:sp>
+      <p:sp>
+        <p:nvSpPr>
+          <p:cNvPr id="170" name="TextBox 169">
+            <a:extLst>
+              <a:ext uri="{FF2B5EF4-FFF2-40B4-BE49-F238E27FC236}">
+                <a16:creationId xmlns:a16="http://schemas.microsoft.com/office/drawing/2014/main" id="{E2F66449-7AC6-7C49-B789-811EF758EB53}"/>
+              </a:ext>
+            </a:extLst>
+          </p:cNvPr>
+          <p:cNvSpPr txBox="1"/>
+          <p:nvPr/>
+        </p:nvSpPr>
+        <p:spPr>
+          <a:xfrm>
+            <a:off x="0" y="6538912"/>
+            <a:ext cx="1243161" cy="276999"/>
+          </a:xfrm>
+          <a:prstGeom prst="rect">
+            <a:avLst/>
+          </a:prstGeom>
+          <a:noFill/>
+        </p:spPr>
+        <p:txBody>
+          <a:bodyPr wrap="none" rtlCol="0">
+            <a:spAutoFit/>
+          </a:bodyPr>
+          <a:lstStyle/>
+          <a:p>
+            <a:r>
+              <a:rPr lang="en-US" sz="1200" dirty="0">
+                <a:solidFill>
+                  <a:schemeClr val="tx1">
+                    <a:lumMod val="50000"/>
+                    <a:lumOff val="50000"/>
+                  </a:schemeClr>
+                </a:solidFill>
+              </a:rPr>
+              <a:t>PAT06_BoW.pptx</a:t>
+            </a:r>
+          </a:p>
+        </p:txBody>
+      </p:sp>
     </p:spTree>
     <p:extLst>
       <p:ext uri="{BB962C8B-B14F-4D97-AF65-F5344CB8AC3E}">
@@ -14736,6 +14837,77 @@
           </a:p>
         </p:txBody>
       </p:sp>
+      <p:sp>
+        <p:nvSpPr>
+          <p:cNvPr id="3" name="Slide Number Placeholder 2">
+            <a:extLst>
+              <a:ext uri="{FF2B5EF4-FFF2-40B4-BE49-F238E27FC236}">
+                <a16:creationId xmlns:a16="http://schemas.microsoft.com/office/drawing/2014/main" id="{DDA4D3A7-E899-1641-AEBC-D3F975FA7D4F}"/>
+              </a:ext>
+            </a:extLst>
+          </p:cNvPr>
+          <p:cNvSpPr>
+            <a:spLocks noGrp="1"/>
+          </p:cNvSpPr>
+          <p:nvPr>
+            <p:ph type="sldNum" sz="quarter" idx="12"/>
+          </p:nvPr>
+        </p:nvSpPr>
+        <p:spPr/>
+        <p:txBody>
+          <a:bodyPr/>
+          <a:lstStyle/>
+          <a:p>
+            <a:fld id="{9C0B2870-7350-8D40-A01A-CE539DF873CB}" type="slidenum">
+              <a:rPr lang="en-US" smtClean="0"/>
+              <a:t>11</a:t>
+            </a:fld>
+            <a:endParaRPr lang="en-US"/>
+          </a:p>
+        </p:txBody>
+      </p:sp>
+      <p:sp>
+        <p:nvSpPr>
+          <p:cNvPr id="102" name="TextBox 101">
+            <a:extLst>
+              <a:ext uri="{FF2B5EF4-FFF2-40B4-BE49-F238E27FC236}">
+                <a16:creationId xmlns:a16="http://schemas.microsoft.com/office/drawing/2014/main" id="{16F457E1-A31F-374D-B8F2-7933BCC72C72}"/>
+              </a:ext>
+            </a:extLst>
+          </p:cNvPr>
+          <p:cNvSpPr txBox="1"/>
+          <p:nvPr/>
+        </p:nvSpPr>
+        <p:spPr>
+          <a:xfrm>
+            <a:off x="0" y="6538912"/>
+            <a:ext cx="1243161" cy="276999"/>
+          </a:xfrm>
+          <a:prstGeom prst="rect">
+            <a:avLst/>
+          </a:prstGeom>
+          <a:noFill/>
+        </p:spPr>
+        <p:txBody>
+          <a:bodyPr wrap="none" rtlCol="0">
+            <a:spAutoFit/>
+          </a:bodyPr>
+          <a:lstStyle/>
+          <a:p>
+            <a:r>
+              <a:rPr lang="en-US" sz="1200" dirty="0">
+                <a:solidFill>
+                  <a:schemeClr val="tx1">
+                    <a:lumMod val="50000"/>
+                    <a:lumOff val="50000"/>
+                  </a:schemeClr>
+                </a:solidFill>
+              </a:rPr>
+              <a:t>PAT06_BoW.pptx</a:t>
+            </a:r>
+          </a:p>
+        </p:txBody>
+      </p:sp>
     </p:spTree>
     <p:extLst>
       <p:ext uri="{BB962C8B-B14F-4D97-AF65-F5344CB8AC3E}">
@@ -14861,6 +15033,77 @@
           </a:prstGeom>
         </p:spPr>
       </p:pic>
+      <p:sp>
+        <p:nvSpPr>
+          <p:cNvPr id="2" name="Slide Number Placeholder 1">
+            <a:extLst>
+              <a:ext uri="{FF2B5EF4-FFF2-40B4-BE49-F238E27FC236}">
+                <a16:creationId xmlns:a16="http://schemas.microsoft.com/office/drawing/2014/main" id="{5BF3BE61-8DF4-3E45-9BF3-7F7FDB1C9EC8}"/>
+              </a:ext>
+            </a:extLst>
+          </p:cNvPr>
+          <p:cNvSpPr>
+            <a:spLocks noGrp="1"/>
+          </p:cNvSpPr>
+          <p:nvPr>
+            <p:ph type="sldNum" sz="quarter" idx="12"/>
+          </p:nvPr>
+        </p:nvSpPr>
+        <p:spPr/>
+        <p:txBody>
+          <a:bodyPr/>
+          <a:lstStyle/>
+          <a:p>
+            <a:fld id="{9C0B2870-7350-8D40-A01A-CE539DF873CB}" type="slidenum">
+              <a:rPr lang="en-US" smtClean="0"/>
+              <a:t>12</a:t>
+            </a:fld>
+            <a:endParaRPr lang="en-US"/>
+          </a:p>
+        </p:txBody>
+      </p:sp>
+      <p:sp>
+        <p:nvSpPr>
+          <p:cNvPr id="6" name="TextBox 5">
+            <a:extLst>
+              <a:ext uri="{FF2B5EF4-FFF2-40B4-BE49-F238E27FC236}">
+                <a16:creationId xmlns:a16="http://schemas.microsoft.com/office/drawing/2014/main" id="{FDD2E1FF-DE63-7C41-B263-F2720C616618}"/>
+              </a:ext>
+            </a:extLst>
+          </p:cNvPr>
+          <p:cNvSpPr txBox="1"/>
+          <p:nvPr/>
+        </p:nvSpPr>
+        <p:spPr>
+          <a:xfrm>
+            <a:off x="0" y="6538912"/>
+            <a:ext cx="1243161" cy="276999"/>
+          </a:xfrm>
+          <a:prstGeom prst="rect">
+            <a:avLst/>
+          </a:prstGeom>
+          <a:noFill/>
+        </p:spPr>
+        <p:txBody>
+          <a:bodyPr wrap="none" rtlCol="0">
+            <a:spAutoFit/>
+          </a:bodyPr>
+          <a:lstStyle/>
+          <a:p>
+            <a:r>
+              <a:rPr lang="en-US" sz="1200" dirty="0">
+                <a:solidFill>
+                  <a:schemeClr val="tx1">
+                    <a:lumMod val="50000"/>
+                    <a:lumOff val="50000"/>
+                  </a:schemeClr>
+                </a:solidFill>
+              </a:rPr>
+              <a:t>PAT06_BoW.pptx</a:t>
+            </a:r>
+          </a:p>
+        </p:txBody>
+      </p:sp>
     </p:spTree>
     <p:extLst>
       <p:ext uri="{BB962C8B-B14F-4D97-AF65-F5344CB8AC3E}">
@@ -15547,6 +15790,77 @@
           </p:style>
         </p:cxnSp>
       </p:grpSp>
+      <p:sp>
+        <p:nvSpPr>
+          <p:cNvPr id="2" name="Slide Number Placeholder 1">
+            <a:extLst>
+              <a:ext uri="{FF2B5EF4-FFF2-40B4-BE49-F238E27FC236}">
+                <a16:creationId xmlns:a16="http://schemas.microsoft.com/office/drawing/2014/main" id="{39829BC3-6000-CF44-AE6A-98008422738E}"/>
+              </a:ext>
+            </a:extLst>
+          </p:cNvPr>
+          <p:cNvSpPr>
+            <a:spLocks noGrp="1"/>
+          </p:cNvSpPr>
+          <p:nvPr>
+            <p:ph type="sldNum" sz="quarter" idx="12"/>
+          </p:nvPr>
+        </p:nvSpPr>
+        <p:spPr/>
+        <p:txBody>
+          <a:bodyPr/>
+          <a:lstStyle/>
+          <a:p>
+            <a:fld id="{9C0B2870-7350-8D40-A01A-CE539DF873CB}" type="slidenum">
+              <a:rPr lang="en-US" smtClean="0"/>
+              <a:t>13</a:t>
+            </a:fld>
+            <a:endParaRPr lang="en-US"/>
+          </a:p>
+        </p:txBody>
+      </p:sp>
+      <p:sp>
+        <p:nvSpPr>
+          <p:cNvPr id="24" name="TextBox 23">
+            <a:extLst>
+              <a:ext uri="{FF2B5EF4-FFF2-40B4-BE49-F238E27FC236}">
+                <a16:creationId xmlns:a16="http://schemas.microsoft.com/office/drawing/2014/main" id="{01BE352C-317F-6648-A21A-C051CF600945}"/>
+              </a:ext>
+            </a:extLst>
+          </p:cNvPr>
+          <p:cNvSpPr txBox="1"/>
+          <p:nvPr/>
+        </p:nvSpPr>
+        <p:spPr>
+          <a:xfrm>
+            <a:off x="0" y="6538912"/>
+            <a:ext cx="1243161" cy="276999"/>
+          </a:xfrm>
+          <a:prstGeom prst="rect">
+            <a:avLst/>
+          </a:prstGeom>
+          <a:noFill/>
+        </p:spPr>
+        <p:txBody>
+          <a:bodyPr wrap="none" rtlCol="0">
+            <a:spAutoFit/>
+          </a:bodyPr>
+          <a:lstStyle/>
+          <a:p>
+            <a:r>
+              <a:rPr lang="en-US" sz="1200" dirty="0">
+                <a:solidFill>
+                  <a:schemeClr val="tx1">
+                    <a:lumMod val="50000"/>
+                    <a:lumOff val="50000"/>
+                  </a:schemeClr>
+                </a:solidFill>
+              </a:rPr>
+              <a:t>PAT06_BoW.pptx</a:t>
+            </a:r>
+          </a:p>
+        </p:txBody>
+      </p:sp>
     </p:spTree>
     <p:extLst>
       <p:ext uri="{BB962C8B-B14F-4D97-AF65-F5344CB8AC3E}">
@@ -16115,6 +16429,77 @@
           </a:p>
         </p:txBody>
       </p:sp>
+      <p:sp>
+        <p:nvSpPr>
+          <p:cNvPr id="2" name="Slide Number Placeholder 1">
+            <a:extLst>
+              <a:ext uri="{FF2B5EF4-FFF2-40B4-BE49-F238E27FC236}">
+                <a16:creationId xmlns:a16="http://schemas.microsoft.com/office/drawing/2014/main" id="{9B9A5F7F-8FDD-8D46-AC37-2253D19D23B6}"/>
+              </a:ext>
+            </a:extLst>
+          </p:cNvPr>
+          <p:cNvSpPr>
+            <a:spLocks noGrp="1"/>
+          </p:cNvSpPr>
+          <p:nvPr>
+            <p:ph type="sldNum" sz="quarter" idx="12"/>
+          </p:nvPr>
+        </p:nvSpPr>
+        <p:spPr/>
+        <p:txBody>
+          <a:bodyPr/>
+          <a:lstStyle/>
+          <a:p>
+            <a:fld id="{9C0B2870-7350-8D40-A01A-CE539DF873CB}" type="slidenum">
+              <a:rPr lang="en-US" smtClean="0"/>
+              <a:t>14</a:t>
+            </a:fld>
+            <a:endParaRPr lang="en-US"/>
+          </a:p>
+        </p:txBody>
+      </p:sp>
+      <p:sp>
+        <p:nvSpPr>
+          <p:cNvPr id="18" name="TextBox 17">
+            <a:extLst>
+              <a:ext uri="{FF2B5EF4-FFF2-40B4-BE49-F238E27FC236}">
+                <a16:creationId xmlns:a16="http://schemas.microsoft.com/office/drawing/2014/main" id="{EFBB8340-37D0-4046-B9CE-8169407F1D77}"/>
+              </a:ext>
+            </a:extLst>
+          </p:cNvPr>
+          <p:cNvSpPr txBox="1"/>
+          <p:nvPr/>
+        </p:nvSpPr>
+        <p:spPr>
+          <a:xfrm>
+            <a:off x="0" y="6538912"/>
+            <a:ext cx="1243161" cy="276999"/>
+          </a:xfrm>
+          <a:prstGeom prst="rect">
+            <a:avLst/>
+          </a:prstGeom>
+          <a:noFill/>
+        </p:spPr>
+        <p:txBody>
+          <a:bodyPr wrap="none" rtlCol="0">
+            <a:spAutoFit/>
+          </a:bodyPr>
+          <a:lstStyle/>
+          <a:p>
+            <a:r>
+              <a:rPr lang="en-US" sz="1200" dirty="0">
+                <a:solidFill>
+                  <a:schemeClr val="tx1">
+                    <a:lumMod val="50000"/>
+                    <a:lumOff val="50000"/>
+                  </a:schemeClr>
+                </a:solidFill>
+              </a:rPr>
+              <a:t>PAT06_BoW.pptx</a:t>
+            </a:r>
+          </a:p>
+        </p:txBody>
+      </p:sp>
     </p:spTree>
     <p:extLst>
       <p:ext uri="{BB962C8B-B14F-4D97-AF65-F5344CB8AC3E}">
@@ -17125,6 +17510,77 @@
           </a:p>
         </p:txBody>
       </p:sp>
+      <p:sp>
+        <p:nvSpPr>
+          <p:cNvPr id="3" name="Slide Number Placeholder 2">
+            <a:extLst>
+              <a:ext uri="{FF2B5EF4-FFF2-40B4-BE49-F238E27FC236}">
+                <a16:creationId xmlns:a16="http://schemas.microsoft.com/office/drawing/2014/main" id="{0E498B62-EADE-4747-AB8B-EBD5330EA8D0}"/>
+              </a:ext>
+            </a:extLst>
+          </p:cNvPr>
+          <p:cNvSpPr>
+            <a:spLocks noGrp="1"/>
+          </p:cNvSpPr>
+          <p:nvPr>
+            <p:ph type="sldNum" sz="quarter" idx="12"/>
+          </p:nvPr>
+        </p:nvSpPr>
+        <p:spPr/>
+        <p:txBody>
+          <a:bodyPr/>
+          <a:lstStyle/>
+          <a:p>
+            <a:fld id="{9C0B2870-7350-8D40-A01A-CE539DF873CB}" type="slidenum">
+              <a:rPr lang="en-US" smtClean="0"/>
+              <a:t>15</a:t>
+            </a:fld>
+            <a:endParaRPr lang="en-US"/>
+          </a:p>
+        </p:txBody>
+      </p:sp>
+      <p:sp>
+        <p:nvSpPr>
+          <p:cNvPr id="22" name="TextBox 21">
+            <a:extLst>
+              <a:ext uri="{FF2B5EF4-FFF2-40B4-BE49-F238E27FC236}">
+                <a16:creationId xmlns:a16="http://schemas.microsoft.com/office/drawing/2014/main" id="{508BDFC7-45F7-0B42-861F-CC1964E5E045}"/>
+              </a:ext>
+            </a:extLst>
+          </p:cNvPr>
+          <p:cNvSpPr txBox="1"/>
+          <p:nvPr/>
+        </p:nvSpPr>
+        <p:spPr>
+          <a:xfrm>
+            <a:off x="0" y="6538912"/>
+            <a:ext cx="1243161" cy="276999"/>
+          </a:xfrm>
+          <a:prstGeom prst="rect">
+            <a:avLst/>
+          </a:prstGeom>
+          <a:noFill/>
+        </p:spPr>
+        <p:txBody>
+          <a:bodyPr wrap="none" rtlCol="0">
+            <a:spAutoFit/>
+          </a:bodyPr>
+          <a:lstStyle/>
+          <a:p>
+            <a:r>
+              <a:rPr lang="en-US" sz="1200" dirty="0">
+                <a:solidFill>
+                  <a:schemeClr val="tx1">
+                    <a:lumMod val="50000"/>
+                    <a:lumOff val="50000"/>
+                  </a:schemeClr>
+                </a:solidFill>
+              </a:rPr>
+              <a:t>PAT06_BoW.pptx</a:t>
+            </a:r>
+          </a:p>
+        </p:txBody>
+      </p:sp>
     </p:spTree>
     <p:extLst>
       <p:ext uri="{BB962C8B-B14F-4D97-AF65-F5344CB8AC3E}">
@@ -19005,6 +19461,77 @@
           </a:p>
         </p:txBody>
       </p:sp>
+      <p:sp>
+        <p:nvSpPr>
+          <p:cNvPr id="3" name="Slide Number Placeholder 2">
+            <a:extLst>
+              <a:ext uri="{FF2B5EF4-FFF2-40B4-BE49-F238E27FC236}">
+                <a16:creationId xmlns:a16="http://schemas.microsoft.com/office/drawing/2014/main" id="{FC30724E-860F-6F47-AB75-73BF3EC0168B}"/>
+              </a:ext>
+            </a:extLst>
+          </p:cNvPr>
+          <p:cNvSpPr>
+            <a:spLocks noGrp="1"/>
+          </p:cNvSpPr>
+          <p:nvPr>
+            <p:ph type="sldNum" sz="quarter" idx="12"/>
+          </p:nvPr>
+        </p:nvSpPr>
+        <p:spPr/>
+        <p:txBody>
+          <a:bodyPr/>
+          <a:lstStyle/>
+          <a:p>
+            <a:fld id="{9C0B2870-7350-8D40-A01A-CE539DF873CB}" type="slidenum">
+              <a:rPr lang="en-US" smtClean="0"/>
+              <a:t>16</a:t>
+            </a:fld>
+            <a:endParaRPr lang="en-US"/>
+          </a:p>
+        </p:txBody>
+      </p:sp>
+      <p:sp>
+        <p:nvSpPr>
+          <p:cNvPr id="31" name="TextBox 30">
+            <a:extLst>
+              <a:ext uri="{FF2B5EF4-FFF2-40B4-BE49-F238E27FC236}">
+                <a16:creationId xmlns:a16="http://schemas.microsoft.com/office/drawing/2014/main" id="{E15357E8-1FB3-BE4D-85AE-2C1DC38828C2}"/>
+              </a:ext>
+            </a:extLst>
+          </p:cNvPr>
+          <p:cNvSpPr txBox="1"/>
+          <p:nvPr/>
+        </p:nvSpPr>
+        <p:spPr>
+          <a:xfrm>
+            <a:off x="0" y="6538912"/>
+            <a:ext cx="1243161" cy="276999"/>
+          </a:xfrm>
+          <a:prstGeom prst="rect">
+            <a:avLst/>
+          </a:prstGeom>
+          <a:noFill/>
+        </p:spPr>
+        <p:txBody>
+          <a:bodyPr wrap="none" rtlCol="0">
+            <a:spAutoFit/>
+          </a:bodyPr>
+          <a:lstStyle/>
+          <a:p>
+            <a:r>
+              <a:rPr lang="en-US" sz="1200" dirty="0">
+                <a:solidFill>
+                  <a:schemeClr val="tx1">
+                    <a:lumMod val="50000"/>
+                    <a:lumOff val="50000"/>
+                  </a:schemeClr>
+                </a:solidFill>
+              </a:rPr>
+              <a:t>PAT06_BoW.pptx</a:t>
+            </a:r>
+          </a:p>
+        </p:txBody>
+      </p:sp>
     </p:spTree>
     <p:extLst>
       <p:ext uri="{BB962C8B-B14F-4D97-AF65-F5344CB8AC3E}">
@@ -19426,47 +19953,6 @@
           </p:txBody>
         </p:sp>
       </p:grpSp>
-      <p:sp>
-        <p:nvSpPr>
-          <p:cNvPr id="56" name="TextBox 55"/>
-          <p:cNvSpPr txBox="1"/>
-          <p:nvPr/>
-        </p:nvSpPr>
-        <p:spPr>
-          <a:xfrm>
-            <a:off x="2376036" y="5312921"/>
-            <a:ext cx="1370632" cy="646331"/>
-          </a:xfrm>
-          <a:prstGeom prst="rect">
-            <a:avLst/>
-          </a:prstGeom>
-          <a:noFill/>
-        </p:spPr>
-        <p:txBody>
-          <a:bodyPr wrap="none" rtlCol="0">
-            <a:spAutoFit/>
-          </a:bodyPr>
-          <a:lstStyle/>
-          <a:p>
-            <a:pPr algn="ctr"/>
-            <a:r>
-              <a:rPr lang="en-US" dirty="0"/>
-              <a:t>Visual words</a:t>
-            </a:r>
-          </a:p>
-          <a:p>
-            <a:pPr algn="ctr"/>
-            <a:r>
-              <a:rPr lang="en-US" dirty="0"/>
-              <a:t>for John</a:t>
-            </a:r>
-            <a:endParaRPr lang="en-US" sz="2000" i="1" dirty="0">
-              <a:latin typeface="LM Roman 10 Regular"/>
-              <a:cs typeface="LM Roman 10 Regular"/>
-            </a:endParaRPr>
-          </a:p>
-        </p:txBody>
-      </p:sp>
       <p:pic>
         <p:nvPicPr>
           <p:cNvPr id="2" name="Picture 1" descr="Screen Shot 2014-03-20 at 7.33.41 PM.png"/>
@@ -19826,6 +20312,77 @@
                 <a:cs typeface="Trebuchet MS"/>
               </a:rPr>
               <a:t>Example</a:t>
+            </a:r>
+          </a:p>
+        </p:txBody>
+      </p:sp>
+      <p:sp>
+        <p:nvSpPr>
+          <p:cNvPr id="6" name="Slide Number Placeholder 5">
+            <a:extLst>
+              <a:ext uri="{FF2B5EF4-FFF2-40B4-BE49-F238E27FC236}">
+                <a16:creationId xmlns:a16="http://schemas.microsoft.com/office/drawing/2014/main" id="{B9C0B414-57DC-9D41-AF09-9734707AD723}"/>
+              </a:ext>
+            </a:extLst>
+          </p:cNvPr>
+          <p:cNvSpPr>
+            <a:spLocks noGrp="1"/>
+          </p:cNvSpPr>
+          <p:nvPr>
+            <p:ph type="sldNum" sz="quarter" idx="12"/>
+          </p:nvPr>
+        </p:nvSpPr>
+        <p:spPr/>
+        <p:txBody>
+          <a:bodyPr/>
+          <a:lstStyle/>
+          <a:p>
+            <a:fld id="{9C0B2870-7350-8D40-A01A-CE539DF873CB}" type="slidenum">
+              <a:rPr lang="en-US" smtClean="0"/>
+              <a:t>17</a:t>
+            </a:fld>
+            <a:endParaRPr lang="en-US"/>
+          </a:p>
+        </p:txBody>
+      </p:sp>
+      <p:sp>
+        <p:nvSpPr>
+          <p:cNvPr id="29" name="TextBox 28">
+            <a:extLst>
+              <a:ext uri="{FF2B5EF4-FFF2-40B4-BE49-F238E27FC236}">
+                <a16:creationId xmlns:a16="http://schemas.microsoft.com/office/drawing/2014/main" id="{AD993543-D9E7-3B4C-9E35-04BC35F12D5B}"/>
+              </a:ext>
+            </a:extLst>
+          </p:cNvPr>
+          <p:cNvSpPr txBox="1"/>
+          <p:nvPr/>
+        </p:nvSpPr>
+        <p:spPr>
+          <a:xfrm>
+            <a:off x="0" y="6538912"/>
+            <a:ext cx="1243161" cy="276999"/>
+          </a:xfrm>
+          <a:prstGeom prst="rect">
+            <a:avLst/>
+          </a:prstGeom>
+          <a:noFill/>
+        </p:spPr>
+        <p:txBody>
+          <a:bodyPr wrap="none" rtlCol="0">
+            <a:spAutoFit/>
+          </a:bodyPr>
+          <a:lstStyle/>
+          <a:p>
+            <a:r>
+              <a:rPr lang="en-US" sz="1200" dirty="0">
+                <a:solidFill>
+                  <a:schemeClr val="tx1">
+                    <a:lumMod val="50000"/>
+                    <a:lumOff val="50000"/>
+                  </a:schemeClr>
+                </a:solidFill>
+              </a:rPr>
+              <a:t>PAT06_BoW.pptx</a:t>
             </a:r>
           </a:p>
         </p:txBody>
@@ -19975,112 +20532,30 @@
                             </p:childTnLst>
                           </p:cTn>
                         </p:par>
+                      </p:childTnLst>
+                    </p:cTn>
+                  </p:par>
+                  <p:par>
+                    <p:cTn id="12" fill="hold">
+                      <p:stCondLst>
+                        <p:cond delay="indefinite"/>
+                      </p:stCondLst>
+                      <p:childTnLst>
                         <p:par>
-                          <p:cTn id="12" fill="hold">
+                          <p:cTn id="13" fill="hold">
                             <p:stCondLst>
-                              <p:cond delay="7000"/>
+                              <p:cond delay="0"/>
                             </p:stCondLst>
                             <p:childTnLst>
                               <p:par>
-                                <p:cTn id="13" presetID="2" presetClass="entr" presetSubtype="8" fill="hold" grpId="0" nodeType="afterEffect">
+                                <p:cTn id="14" presetID="1" presetClass="entr" presetSubtype="0" fill="hold" nodeType="clickEffect">
                                   <p:stCondLst>
                                     <p:cond delay="0"/>
                                   </p:stCondLst>
                                   <p:childTnLst>
                                     <p:set>
                                       <p:cBhvr>
-                                        <p:cTn id="14" dur="1" fill="hold">
-                                          <p:stCondLst>
-                                            <p:cond delay="0"/>
-                                          </p:stCondLst>
-                                        </p:cTn>
-                                        <p:tgtEl>
-                                          <p:spTgt spid="56"/>
-                                        </p:tgtEl>
-                                        <p:attrNameLst>
-                                          <p:attrName>style.visibility</p:attrName>
-                                        </p:attrNameLst>
-                                      </p:cBhvr>
-                                      <p:to>
-                                        <p:strVal val="visible"/>
-                                      </p:to>
-                                    </p:set>
-                                    <p:anim calcmode="lin" valueType="num">
-                                      <p:cBhvr additive="base">
-                                        <p:cTn id="15" dur="1000" fill="hold"/>
-                                        <p:tgtEl>
-                                          <p:spTgt spid="56"/>
-                                        </p:tgtEl>
-                                        <p:attrNameLst>
-                                          <p:attrName>ppt_x</p:attrName>
-                                        </p:attrNameLst>
-                                      </p:cBhvr>
-                                      <p:tavLst>
-                                        <p:tav tm="0">
-                                          <p:val>
-                                            <p:strVal val="0-#ppt_w/2"/>
-                                          </p:val>
-                                        </p:tav>
-                                        <p:tav tm="100000">
-                                          <p:val>
-                                            <p:strVal val="#ppt_x"/>
-                                          </p:val>
-                                        </p:tav>
-                                      </p:tavLst>
-                                    </p:anim>
-                                    <p:anim calcmode="lin" valueType="num">
-                                      <p:cBhvr additive="base">
-                                        <p:cTn id="16" dur="1000" fill="hold"/>
-                                        <p:tgtEl>
-                                          <p:spTgt spid="56"/>
-                                        </p:tgtEl>
-                                        <p:attrNameLst>
-                                          <p:attrName>ppt_y</p:attrName>
-                                        </p:attrNameLst>
-                                      </p:cBhvr>
-                                      <p:tavLst>
-                                        <p:tav tm="0">
-                                          <p:val>
-                                            <p:strVal val="#ppt_y"/>
-                                          </p:val>
-                                        </p:tav>
-                                        <p:tav tm="100000">
-                                          <p:val>
-                                            <p:strVal val="#ppt_y"/>
-                                          </p:val>
-                                        </p:tav>
-                                      </p:tavLst>
-                                    </p:anim>
-                                  </p:childTnLst>
-                                </p:cTn>
-                              </p:par>
-                            </p:childTnLst>
-                          </p:cTn>
-                        </p:par>
-                      </p:childTnLst>
-                    </p:cTn>
-                  </p:par>
-                  <p:par>
-                    <p:cTn id="17" fill="hold">
-                      <p:stCondLst>
-                        <p:cond delay="indefinite"/>
-                      </p:stCondLst>
-                      <p:childTnLst>
-                        <p:par>
-                          <p:cTn id="18" fill="hold">
-                            <p:stCondLst>
-                              <p:cond delay="0"/>
-                            </p:stCondLst>
-                            <p:childTnLst>
-                              <p:par>
-                                <p:cTn id="19" presetID="1" presetClass="entr" presetSubtype="0" fill="hold" nodeType="clickEffect">
-                                  <p:stCondLst>
-                                    <p:cond delay="0"/>
-                                  </p:stCondLst>
-                                  <p:childTnLst>
-                                    <p:set>
-                                      <p:cBhvr>
-                                        <p:cTn id="20" dur="1" fill="hold">
+                                        <p:cTn id="15" dur="1" fill="hold">
                                           <p:stCondLst>
                                             <p:cond delay="0"/>
                                           </p:stCondLst>
@@ -20106,26 +20581,26 @@
                     </p:cTn>
                   </p:par>
                   <p:par>
-                    <p:cTn id="21" fill="hold">
+                    <p:cTn id="16" fill="hold">
                       <p:stCondLst>
                         <p:cond delay="indefinite"/>
                       </p:stCondLst>
                       <p:childTnLst>
                         <p:par>
-                          <p:cTn id="22" fill="hold">
+                          <p:cTn id="17" fill="hold">
                             <p:stCondLst>
                               <p:cond delay="0"/>
                             </p:stCondLst>
                             <p:childTnLst>
                               <p:par>
-                                <p:cTn id="23" presetID="1" presetClass="entr" presetSubtype="0" fill="hold" nodeType="clickEffect">
+                                <p:cTn id="18" presetID="1" presetClass="entr" presetSubtype="0" fill="hold" nodeType="clickEffect">
                                   <p:stCondLst>
                                     <p:cond delay="0"/>
                                   </p:stCondLst>
                                   <p:childTnLst>
                                     <p:set>
                                       <p:cBhvr>
-                                        <p:cTn id="24" dur="1" fill="hold">
+                                        <p:cTn id="19" dur="1" fill="hold">
                                           <p:stCondLst>
                                             <p:cond delay="0"/>
                                           </p:stCondLst>
@@ -20151,26 +20626,26 @@
                     </p:cTn>
                   </p:par>
                   <p:par>
-                    <p:cTn id="25" fill="hold">
+                    <p:cTn id="20" fill="hold">
                       <p:stCondLst>
                         <p:cond delay="indefinite"/>
                       </p:stCondLst>
                       <p:childTnLst>
                         <p:par>
-                          <p:cTn id="26" fill="hold">
+                          <p:cTn id="21" fill="hold">
                             <p:stCondLst>
                               <p:cond delay="0"/>
                             </p:stCondLst>
                             <p:childTnLst>
                               <p:par>
-                                <p:cTn id="27" presetID="1" presetClass="entr" presetSubtype="0" fill="hold" nodeType="clickEffect">
+                                <p:cTn id="22" presetID="1" presetClass="entr" presetSubtype="0" fill="hold" nodeType="clickEffect">
                                   <p:stCondLst>
                                     <p:cond delay="0"/>
                                   </p:stCondLst>
                                   <p:childTnLst>
                                     <p:set>
                                       <p:cBhvr>
-                                        <p:cTn id="28" dur="1" fill="hold">
+                                        <p:cTn id="23" dur="1" fill="hold">
                                           <p:stCondLst>
                                             <p:cond delay="0"/>
                                           </p:stCondLst>
@@ -20216,15 +20691,12 @@
         </p:cTn>
       </p:par>
     </p:tnLst>
-    <p:bldLst>
-      <p:bldP spid="56" grpId="0"/>
-    </p:bldLst>
   </p:timing>
 </p:sld>
 </file>
 
 <file path=ppt/slides/slide18.xml><?xml version="1.0" encoding="utf-8"?>
-<p:sld xmlns:a="http://schemas.openxmlformats.org/drawingml/2006/main" xmlns:r="http://schemas.openxmlformats.org/officeDocument/2006/relationships" xmlns:p="http://schemas.openxmlformats.org/presentationml/2006/main">
+<p:sld xmlns:a="http://schemas.openxmlformats.org/drawingml/2006/main" xmlns:r="http://schemas.openxmlformats.org/officeDocument/2006/relationships" xmlns:p="http://schemas.openxmlformats.org/presentationml/2006/main" show="0">
   <p:cSld>
     <p:spTree>
       <p:nvGrpSpPr>
@@ -21080,6 +21552,77 @@
               <a:latin typeface="Trebuchet MS"/>
               <a:cs typeface="Trebuchet MS"/>
             </a:endParaRPr>
+          </a:p>
+        </p:txBody>
+      </p:sp>
+      <p:sp>
+        <p:nvSpPr>
+          <p:cNvPr id="2" name="Slide Number Placeholder 1">
+            <a:extLst>
+              <a:ext uri="{FF2B5EF4-FFF2-40B4-BE49-F238E27FC236}">
+                <a16:creationId xmlns:a16="http://schemas.microsoft.com/office/drawing/2014/main" id="{394946B5-474D-8540-885B-45378F775261}"/>
+              </a:ext>
+            </a:extLst>
+          </p:cNvPr>
+          <p:cNvSpPr>
+            <a:spLocks noGrp="1"/>
+          </p:cNvSpPr>
+          <p:nvPr>
+            <p:ph type="sldNum" sz="quarter" idx="12"/>
+          </p:nvPr>
+        </p:nvSpPr>
+        <p:spPr/>
+        <p:txBody>
+          <a:bodyPr/>
+          <a:lstStyle/>
+          <a:p>
+            <a:fld id="{9C0B2870-7350-8D40-A01A-CE539DF873CB}" type="slidenum">
+              <a:rPr lang="en-US" smtClean="0"/>
+              <a:t>18</a:t>
+            </a:fld>
+            <a:endParaRPr lang="en-US"/>
+          </a:p>
+        </p:txBody>
+      </p:sp>
+      <p:sp>
+        <p:nvSpPr>
+          <p:cNvPr id="28" name="TextBox 27">
+            <a:extLst>
+              <a:ext uri="{FF2B5EF4-FFF2-40B4-BE49-F238E27FC236}">
+                <a16:creationId xmlns:a16="http://schemas.microsoft.com/office/drawing/2014/main" id="{9B8651B0-5C8C-6545-A5C4-D6CFA35A0E51}"/>
+              </a:ext>
+            </a:extLst>
+          </p:cNvPr>
+          <p:cNvSpPr txBox="1"/>
+          <p:nvPr/>
+        </p:nvSpPr>
+        <p:spPr>
+          <a:xfrm>
+            <a:off x="0" y="6538912"/>
+            <a:ext cx="1243161" cy="276999"/>
+          </a:xfrm>
+          <a:prstGeom prst="rect">
+            <a:avLst/>
+          </a:prstGeom>
+          <a:noFill/>
+        </p:spPr>
+        <p:txBody>
+          <a:bodyPr wrap="none" rtlCol="0">
+            <a:spAutoFit/>
+          </a:bodyPr>
+          <a:lstStyle/>
+          <a:p>
+            <a:r>
+              <a:rPr lang="en-US" sz="1200" dirty="0">
+                <a:solidFill>
+                  <a:schemeClr val="tx1">
+                    <a:lumMod val="50000"/>
+                    <a:lumOff val="50000"/>
+                  </a:schemeClr>
+                </a:solidFill>
+              </a:rPr>
+              <a:t>PAT06_BoW.pptx</a:t>
+            </a:r>
           </a:p>
         </p:txBody>
       </p:sp>
@@ -23596,6 +24139,77 @@
           </a:graphicData>
         </a:graphic>
       </p:graphicFrame>
+      <p:sp>
+        <p:nvSpPr>
+          <p:cNvPr id="5" name="Slide Number Placeholder 4">
+            <a:extLst>
+              <a:ext uri="{FF2B5EF4-FFF2-40B4-BE49-F238E27FC236}">
+                <a16:creationId xmlns:a16="http://schemas.microsoft.com/office/drawing/2014/main" id="{6076F430-FD96-484F-AFE9-E4A9B8B60ACA}"/>
+              </a:ext>
+            </a:extLst>
+          </p:cNvPr>
+          <p:cNvSpPr>
+            <a:spLocks noGrp="1"/>
+          </p:cNvSpPr>
+          <p:nvPr>
+            <p:ph type="sldNum" sz="quarter" idx="12"/>
+          </p:nvPr>
+        </p:nvSpPr>
+        <p:spPr/>
+        <p:txBody>
+          <a:bodyPr/>
+          <a:lstStyle/>
+          <a:p>
+            <a:fld id="{9C0B2870-7350-8D40-A01A-CE539DF873CB}" type="slidenum">
+              <a:rPr lang="en-US" smtClean="0"/>
+              <a:t>19</a:t>
+            </a:fld>
+            <a:endParaRPr lang="en-US"/>
+          </a:p>
+        </p:txBody>
+      </p:sp>
+      <p:sp>
+        <p:nvSpPr>
+          <p:cNvPr id="36" name="TextBox 35">
+            <a:extLst>
+              <a:ext uri="{FF2B5EF4-FFF2-40B4-BE49-F238E27FC236}">
+                <a16:creationId xmlns:a16="http://schemas.microsoft.com/office/drawing/2014/main" id="{00CF4BBF-EC2D-3644-83F7-8D50AB2403C9}"/>
+              </a:ext>
+            </a:extLst>
+          </p:cNvPr>
+          <p:cNvSpPr txBox="1"/>
+          <p:nvPr/>
+        </p:nvSpPr>
+        <p:spPr>
+          <a:xfrm>
+            <a:off x="0" y="6538912"/>
+            <a:ext cx="1243161" cy="276999"/>
+          </a:xfrm>
+          <a:prstGeom prst="rect">
+            <a:avLst/>
+          </a:prstGeom>
+          <a:noFill/>
+        </p:spPr>
+        <p:txBody>
+          <a:bodyPr wrap="none" rtlCol="0">
+            <a:spAutoFit/>
+          </a:bodyPr>
+          <a:lstStyle/>
+          <a:p>
+            <a:r>
+              <a:rPr lang="en-US" sz="1200" dirty="0">
+                <a:solidFill>
+                  <a:schemeClr val="tx1">
+                    <a:lumMod val="50000"/>
+                    <a:lumOff val="50000"/>
+                  </a:schemeClr>
+                </a:solidFill>
+              </a:rPr>
+              <a:t>PAT06_BoW.pptx</a:t>
+            </a:r>
+          </a:p>
+        </p:txBody>
+      </p:sp>
     </p:spTree>
     <p:extLst>
       <p:ext uri="{BB962C8B-B14F-4D97-AF65-F5344CB8AC3E}">
@@ -23656,6 +24270,77 @@
           </a:prstGeom>
         </p:spPr>
       </p:pic>
+      <p:sp>
+        <p:nvSpPr>
+          <p:cNvPr id="2" name="Slide Number Placeholder 1">
+            <a:extLst>
+              <a:ext uri="{FF2B5EF4-FFF2-40B4-BE49-F238E27FC236}">
+                <a16:creationId xmlns:a16="http://schemas.microsoft.com/office/drawing/2014/main" id="{C9F732EE-0FFE-C04A-8BFC-2B188B12DB20}"/>
+              </a:ext>
+            </a:extLst>
+          </p:cNvPr>
+          <p:cNvSpPr>
+            <a:spLocks noGrp="1"/>
+          </p:cNvSpPr>
+          <p:nvPr>
+            <p:ph type="sldNum" sz="quarter" idx="12"/>
+          </p:nvPr>
+        </p:nvSpPr>
+        <p:spPr/>
+        <p:txBody>
+          <a:bodyPr/>
+          <a:lstStyle/>
+          <a:p>
+            <a:fld id="{9C0B2870-7350-8D40-A01A-CE539DF873CB}" type="slidenum">
+              <a:rPr lang="en-US" smtClean="0"/>
+              <a:t>2</a:t>
+            </a:fld>
+            <a:endParaRPr lang="en-US"/>
+          </a:p>
+        </p:txBody>
+      </p:sp>
+      <p:sp>
+        <p:nvSpPr>
+          <p:cNvPr id="3" name="TextBox 2">
+            <a:extLst>
+              <a:ext uri="{FF2B5EF4-FFF2-40B4-BE49-F238E27FC236}">
+                <a16:creationId xmlns:a16="http://schemas.microsoft.com/office/drawing/2014/main" id="{64756912-6AA1-8D4E-98CF-A56779DF6990}"/>
+              </a:ext>
+            </a:extLst>
+          </p:cNvPr>
+          <p:cNvSpPr txBox="1"/>
+          <p:nvPr/>
+        </p:nvSpPr>
+        <p:spPr>
+          <a:xfrm>
+            <a:off x="0" y="6538912"/>
+            <a:ext cx="1243161" cy="276999"/>
+          </a:xfrm>
+          <a:prstGeom prst="rect">
+            <a:avLst/>
+          </a:prstGeom>
+          <a:noFill/>
+        </p:spPr>
+        <p:txBody>
+          <a:bodyPr wrap="none" rtlCol="0">
+            <a:spAutoFit/>
+          </a:bodyPr>
+          <a:lstStyle/>
+          <a:p>
+            <a:r>
+              <a:rPr lang="en-US" sz="1200" dirty="0">
+                <a:solidFill>
+                  <a:schemeClr val="tx1">
+                    <a:lumMod val="50000"/>
+                    <a:lumOff val="50000"/>
+                  </a:schemeClr>
+                </a:solidFill>
+              </a:rPr>
+              <a:t>PAT06_BoW.pptx</a:t>
+            </a:r>
+          </a:p>
+        </p:txBody>
+      </p:sp>
     </p:spTree>
     <p:extLst>
       <p:ext uri="{BB962C8B-B14F-4D97-AF65-F5344CB8AC3E}">
@@ -24586,6 +25271,77 @@
           </a:fontRef>
         </p:style>
       </p:cxnSp>
+      <p:sp>
+        <p:nvSpPr>
+          <p:cNvPr id="4" name="Slide Number Placeholder 3">
+            <a:extLst>
+              <a:ext uri="{FF2B5EF4-FFF2-40B4-BE49-F238E27FC236}">
+                <a16:creationId xmlns:a16="http://schemas.microsoft.com/office/drawing/2014/main" id="{325653EA-E619-154A-A932-CF5BAE39D397}"/>
+              </a:ext>
+            </a:extLst>
+          </p:cNvPr>
+          <p:cNvSpPr>
+            <a:spLocks noGrp="1"/>
+          </p:cNvSpPr>
+          <p:nvPr>
+            <p:ph type="sldNum" sz="quarter" idx="12"/>
+          </p:nvPr>
+        </p:nvSpPr>
+        <p:spPr/>
+        <p:txBody>
+          <a:bodyPr/>
+          <a:lstStyle/>
+          <a:p>
+            <a:fld id="{9C0B2870-7350-8D40-A01A-CE539DF873CB}" type="slidenum">
+              <a:rPr lang="en-US" smtClean="0"/>
+              <a:t>20</a:t>
+            </a:fld>
+            <a:endParaRPr lang="en-US"/>
+          </a:p>
+        </p:txBody>
+      </p:sp>
+      <p:sp>
+        <p:nvSpPr>
+          <p:cNvPr id="28" name="TextBox 27">
+            <a:extLst>
+              <a:ext uri="{FF2B5EF4-FFF2-40B4-BE49-F238E27FC236}">
+                <a16:creationId xmlns:a16="http://schemas.microsoft.com/office/drawing/2014/main" id="{73C4B7EE-F7B0-9343-9D0B-7A1F2EF6A3A1}"/>
+              </a:ext>
+            </a:extLst>
+          </p:cNvPr>
+          <p:cNvSpPr txBox="1"/>
+          <p:nvPr/>
+        </p:nvSpPr>
+        <p:spPr>
+          <a:xfrm>
+            <a:off x="0" y="6538912"/>
+            <a:ext cx="1243161" cy="276999"/>
+          </a:xfrm>
+          <a:prstGeom prst="rect">
+            <a:avLst/>
+          </a:prstGeom>
+          <a:noFill/>
+        </p:spPr>
+        <p:txBody>
+          <a:bodyPr wrap="none" rtlCol="0">
+            <a:spAutoFit/>
+          </a:bodyPr>
+          <a:lstStyle/>
+          <a:p>
+            <a:r>
+              <a:rPr lang="en-US" sz="1200" dirty="0">
+                <a:solidFill>
+                  <a:schemeClr val="tx1">
+                    <a:lumMod val="50000"/>
+                    <a:lumOff val="50000"/>
+                  </a:schemeClr>
+                </a:solidFill>
+              </a:rPr>
+              <a:t>PAT06_BoW.pptx</a:t>
+            </a:r>
+          </a:p>
+        </p:txBody>
+      </p:sp>
     </p:spTree>
     <p:extLst>
       <p:ext uri="{BB962C8B-B14F-4D97-AF65-F5344CB8AC3E}">
@@ -24965,6 +25721,77 @@
           </a:graphicData>
         </a:graphic>
       </p:graphicFrame>
+      <p:sp>
+        <p:nvSpPr>
+          <p:cNvPr id="3" name="Slide Number Placeholder 2">
+            <a:extLst>
+              <a:ext uri="{FF2B5EF4-FFF2-40B4-BE49-F238E27FC236}">
+                <a16:creationId xmlns:a16="http://schemas.microsoft.com/office/drawing/2014/main" id="{2932C4ED-F5F6-FF41-B01E-4B2CF050140A}"/>
+              </a:ext>
+            </a:extLst>
+          </p:cNvPr>
+          <p:cNvSpPr>
+            <a:spLocks noGrp="1"/>
+          </p:cNvSpPr>
+          <p:nvPr>
+            <p:ph type="sldNum" sz="quarter" idx="12"/>
+          </p:nvPr>
+        </p:nvSpPr>
+        <p:spPr/>
+        <p:txBody>
+          <a:bodyPr/>
+          <a:lstStyle/>
+          <a:p>
+            <a:fld id="{9C0B2870-7350-8D40-A01A-CE539DF873CB}" type="slidenum">
+              <a:rPr lang="en-US" smtClean="0"/>
+              <a:t>21</a:t>
+            </a:fld>
+            <a:endParaRPr lang="en-US"/>
+          </a:p>
+        </p:txBody>
+      </p:sp>
+      <p:sp>
+        <p:nvSpPr>
+          <p:cNvPr id="7" name="TextBox 6">
+            <a:extLst>
+              <a:ext uri="{FF2B5EF4-FFF2-40B4-BE49-F238E27FC236}">
+                <a16:creationId xmlns:a16="http://schemas.microsoft.com/office/drawing/2014/main" id="{297F7DC6-01A7-DA45-A7BC-4D8286618AE9}"/>
+              </a:ext>
+            </a:extLst>
+          </p:cNvPr>
+          <p:cNvSpPr txBox="1"/>
+          <p:nvPr/>
+        </p:nvSpPr>
+        <p:spPr>
+          <a:xfrm>
+            <a:off x="0" y="6538912"/>
+            <a:ext cx="1243161" cy="276999"/>
+          </a:xfrm>
+          <a:prstGeom prst="rect">
+            <a:avLst/>
+          </a:prstGeom>
+          <a:noFill/>
+        </p:spPr>
+        <p:txBody>
+          <a:bodyPr wrap="none" rtlCol="0">
+            <a:spAutoFit/>
+          </a:bodyPr>
+          <a:lstStyle/>
+          <a:p>
+            <a:r>
+              <a:rPr lang="en-US" sz="1200" dirty="0">
+                <a:solidFill>
+                  <a:schemeClr val="tx1">
+                    <a:lumMod val="50000"/>
+                    <a:lumOff val="50000"/>
+                  </a:schemeClr>
+                </a:solidFill>
+              </a:rPr>
+              <a:t>PAT06_BoW.pptx</a:t>
+            </a:r>
+          </a:p>
+        </p:txBody>
+      </p:sp>
     </p:spTree>
     <p:extLst>
       <p:ext uri="{BB962C8B-B14F-4D97-AF65-F5344CB8AC3E}">
@@ -26132,6 +26959,77 @@
           </a:graphicData>
         </a:graphic>
       </p:graphicFrame>
+      <p:sp>
+        <p:nvSpPr>
+          <p:cNvPr id="3" name="Slide Number Placeholder 2">
+            <a:extLst>
+              <a:ext uri="{FF2B5EF4-FFF2-40B4-BE49-F238E27FC236}">
+                <a16:creationId xmlns:a16="http://schemas.microsoft.com/office/drawing/2014/main" id="{F0E0A993-80D4-BD4E-A378-712520B3BA6F}"/>
+              </a:ext>
+            </a:extLst>
+          </p:cNvPr>
+          <p:cNvSpPr>
+            <a:spLocks noGrp="1"/>
+          </p:cNvSpPr>
+          <p:nvPr>
+            <p:ph type="sldNum" sz="quarter" idx="12"/>
+          </p:nvPr>
+        </p:nvSpPr>
+        <p:spPr/>
+        <p:txBody>
+          <a:bodyPr/>
+          <a:lstStyle/>
+          <a:p>
+            <a:fld id="{9C0B2870-7350-8D40-A01A-CE539DF873CB}" type="slidenum">
+              <a:rPr lang="en-US" smtClean="0"/>
+              <a:t>22</a:t>
+            </a:fld>
+            <a:endParaRPr lang="en-US"/>
+          </a:p>
+        </p:txBody>
+      </p:sp>
+      <p:sp>
+        <p:nvSpPr>
+          <p:cNvPr id="32" name="TextBox 31">
+            <a:extLst>
+              <a:ext uri="{FF2B5EF4-FFF2-40B4-BE49-F238E27FC236}">
+                <a16:creationId xmlns:a16="http://schemas.microsoft.com/office/drawing/2014/main" id="{8FFF9042-2B68-7C48-A638-6F34ED033729}"/>
+              </a:ext>
+            </a:extLst>
+          </p:cNvPr>
+          <p:cNvSpPr txBox="1"/>
+          <p:nvPr/>
+        </p:nvSpPr>
+        <p:spPr>
+          <a:xfrm>
+            <a:off x="0" y="6538912"/>
+            <a:ext cx="1243161" cy="276999"/>
+          </a:xfrm>
+          <a:prstGeom prst="rect">
+            <a:avLst/>
+          </a:prstGeom>
+          <a:noFill/>
+        </p:spPr>
+        <p:txBody>
+          <a:bodyPr wrap="none" rtlCol="0">
+            <a:spAutoFit/>
+          </a:bodyPr>
+          <a:lstStyle/>
+          <a:p>
+            <a:r>
+              <a:rPr lang="en-US" sz="1200" dirty="0">
+                <a:solidFill>
+                  <a:schemeClr val="tx1">
+                    <a:lumMod val="50000"/>
+                    <a:lumOff val="50000"/>
+                  </a:schemeClr>
+                </a:solidFill>
+              </a:rPr>
+              <a:t>PAT06_BoW.pptx</a:t>
+            </a:r>
+          </a:p>
+        </p:txBody>
+      </p:sp>
     </p:spTree>
     <p:extLst>
       <p:ext uri="{BB962C8B-B14F-4D97-AF65-F5344CB8AC3E}">
@@ -27377,6 +28275,77 @@
           </a:graphicData>
         </a:graphic>
       </p:graphicFrame>
+      <p:sp>
+        <p:nvSpPr>
+          <p:cNvPr id="3" name="Slide Number Placeholder 2">
+            <a:extLst>
+              <a:ext uri="{FF2B5EF4-FFF2-40B4-BE49-F238E27FC236}">
+                <a16:creationId xmlns:a16="http://schemas.microsoft.com/office/drawing/2014/main" id="{F55D4DB4-61FF-014C-A458-E1E3216B3829}"/>
+              </a:ext>
+            </a:extLst>
+          </p:cNvPr>
+          <p:cNvSpPr>
+            <a:spLocks noGrp="1"/>
+          </p:cNvSpPr>
+          <p:nvPr>
+            <p:ph type="sldNum" sz="quarter" idx="12"/>
+          </p:nvPr>
+        </p:nvSpPr>
+        <p:spPr/>
+        <p:txBody>
+          <a:bodyPr/>
+          <a:lstStyle/>
+          <a:p>
+            <a:fld id="{9C0B2870-7350-8D40-A01A-CE539DF873CB}" type="slidenum">
+              <a:rPr lang="en-US" smtClean="0"/>
+              <a:t>23</a:t>
+            </a:fld>
+            <a:endParaRPr lang="en-US"/>
+          </a:p>
+        </p:txBody>
+      </p:sp>
+      <p:sp>
+        <p:nvSpPr>
+          <p:cNvPr id="32" name="TextBox 31">
+            <a:extLst>
+              <a:ext uri="{FF2B5EF4-FFF2-40B4-BE49-F238E27FC236}">
+                <a16:creationId xmlns:a16="http://schemas.microsoft.com/office/drawing/2014/main" id="{DA6380AD-9A22-024A-91CB-3850C67909CC}"/>
+              </a:ext>
+            </a:extLst>
+          </p:cNvPr>
+          <p:cNvSpPr txBox="1"/>
+          <p:nvPr/>
+        </p:nvSpPr>
+        <p:spPr>
+          <a:xfrm>
+            <a:off x="0" y="6538912"/>
+            <a:ext cx="1243161" cy="276999"/>
+          </a:xfrm>
+          <a:prstGeom prst="rect">
+            <a:avLst/>
+          </a:prstGeom>
+          <a:noFill/>
+        </p:spPr>
+        <p:txBody>
+          <a:bodyPr wrap="none" rtlCol="0">
+            <a:spAutoFit/>
+          </a:bodyPr>
+          <a:lstStyle/>
+          <a:p>
+            <a:r>
+              <a:rPr lang="en-US" sz="1200" dirty="0">
+                <a:solidFill>
+                  <a:schemeClr val="tx1">
+                    <a:lumMod val="50000"/>
+                    <a:lumOff val="50000"/>
+                  </a:schemeClr>
+                </a:solidFill>
+              </a:rPr>
+              <a:t>PAT06_BoW.pptx</a:t>
+            </a:r>
+          </a:p>
+        </p:txBody>
+      </p:sp>
     </p:spTree>
     <p:extLst>
       <p:ext uri="{BB962C8B-B14F-4D97-AF65-F5344CB8AC3E}">
@@ -28693,6 +29662,77 @@
           </a:p>
         </p:txBody>
       </p:sp>
+      <p:sp>
+        <p:nvSpPr>
+          <p:cNvPr id="22" name="Slide Number Placeholder 21">
+            <a:extLst>
+              <a:ext uri="{FF2B5EF4-FFF2-40B4-BE49-F238E27FC236}">
+                <a16:creationId xmlns:a16="http://schemas.microsoft.com/office/drawing/2014/main" id="{338E7FC4-C4C5-7E41-9B1F-BCC2B43321D0}"/>
+              </a:ext>
+            </a:extLst>
+          </p:cNvPr>
+          <p:cNvSpPr>
+            <a:spLocks noGrp="1"/>
+          </p:cNvSpPr>
+          <p:nvPr>
+            <p:ph type="sldNum" sz="quarter" idx="12"/>
+          </p:nvPr>
+        </p:nvSpPr>
+        <p:spPr/>
+        <p:txBody>
+          <a:bodyPr/>
+          <a:lstStyle/>
+          <a:p>
+            <a:fld id="{9C0B2870-7350-8D40-A01A-CE539DF873CB}" type="slidenum">
+              <a:rPr lang="en-US" smtClean="0"/>
+              <a:t>24</a:t>
+            </a:fld>
+            <a:endParaRPr lang="en-US"/>
+          </a:p>
+        </p:txBody>
+      </p:sp>
+      <p:sp>
+        <p:nvSpPr>
+          <p:cNvPr id="34" name="TextBox 33">
+            <a:extLst>
+              <a:ext uri="{FF2B5EF4-FFF2-40B4-BE49-F238E27FC236}">
+                <a16:creationId xmlns:a16="http://schemas.microsoft.com/office/drawing/2014/main" id="{6355C846-B4C1-3743-95C5-CBBE6DD06B30}"/>
+              </a:ext>
+            </a:extLst>
+          </p:cNvPr>
+          <p:cNvSpPr txBox="1"/>
+          <p:nvPr/>
+        </p:nvSpPr>
+        <p:spPr>
+          <a:xfrm>
+            <a:off x="0" y="6538912"/>
+            <a:ext cx="1243161" cy="276999"/>
+          </a:xfrm>
+          <a:prstGeom prst="rect">
+            <a:avLst/>
+          </a:prstGeom>
+          <a:noFill/>
+        </p:spPr>
+        <p:txBody>
+          <a:bodyPr wrap="none" rtlCol="0">
+            <a:spAutoFit/>
+          </a:bodyPr>
+          <a:lstStyle/>
+          <a:p>
+            <a:r>
+              <a:rPr lang="en-US" sz="1200" dirty="0">
+                <a:solidFill>
+                  <a:schemeClr val="tx1">
+                    <a:lumMod val="50000"/>
+                    <a:lumOff val="50000"/>
+                  </a:schemeClr>
+                </a:solidFill>
+              </a:rPr>
+              <a:t>PAT06_BoW.pptx</a:t>
+            </a:r>
+          </a:p>
+        </p:txBody>
+      </p:sp>
     </p:spTree>
     <p:extLst>
       <p:ext uri="{BB962C8B-B14F-4D97-AF65-F5344CB8AC3E}">
@@ -31195,6 +32235,77 @@
           </a:p>
         </p:txBody>
       </p:sp>
+      <p:sp>
+        <p:nvSpPr>
+          <p:cNvPr id="4" name="Slide Number Placeholder 3">
+            <a:extLst>
+              <a:ext uri="{FF2B5EF4-FFF2-40B4-BE49-F238E27FC236}">
+                <a16:creationId xmlns:a16="http://schemas.microsoft.com/office/drawing/2014/main" id="{1D920AD1-A805-7946-86AB-B3689CC21EE8}"/>
+              </a:ext>
+            </a:extLst>
+          </p:cNvPr>
+          <p:cNvSpPr>
+            <a:spLocks noGrp="1"/>
+          </p:cNvSpPr>
+          <p:nvPr>
+            <p:ph type="sldNum" sz="quarter" idx="12"/>
+          </p:nvPr>
+        </p:nvSpPr>
+        <p:spPr/>
+        <p:txBody>
+          <a:bodyPr/>
+          <a:lstStyle/>
+          <a:p>
+            <a:fld id="{9C0B2870-7350-8D40-A01A-CE539DF873CB}" type="slidenum">
+              <a:rPr lang="en-US" smtClean="0"/>
+              <a:t>25</a:t>
+            </a:fld>
+            <a:endParaRPr lang="en-US"/>
+          </a:p>
+        </p:txBody>
+      </p:sp>
+      <p:sp>
+        <p:nvSpPr>
+          <p:cNvPr id="37" name="TextBox 36">
+            <a:extLst>
+              <a:ext uri="{FF2B5EF4-FFF2-40B4-BE49-F238E27FC236}">
+                <a16:creationId xmlns:a16="http://schemas.microsoft.com/office/drawing/2014/main" id="{17A5B889-EFD7-A746-9E98-1EEF75B4D761}"/>
+              </a:ext>
+            </a:extLst>
+          </p:cNvPr>
+          <p:cNvSpPr txBox="1"/>
+          <p:nvPr/>
+        </p:nvSpPr>
+        <p:spPr>
+          <a:xfrm>
+            <a:off x="0" y="6538912"/>
+            <a:ext cx="1243161" cy="276999"/>
+          </a:xfrm>
+          <a:prstGeom prst="rect">
+            <a:avLst/>
+          </a:prstGeom>
+          <a:noFill/>
+        </p:spPr>
+        <p:txBody>
+          <a:bodyPr wrap="none" rtlCol="0">
+            <a:spAutoFit/>
+          </a:bodyPr>
+          <a:lstStyle/>
+          <a:p>
+            <a:r>
+              <a:rPr lang="en-US" sz="1200" dirty="0">
+                <a:solidFill>
+                  <a:schemeClr val="tx1">
+                    <a:lumMod val="50000"/>
+                    <a:lumOff val="50000"/>
+                  </a:schemeClr>
+                </a:solidFill>
+              </a:rPr>
+              <a:t>PAT06_BoW.pptx</a:t>
+            </a:r>
+          </a:p>
+        </p:txBody>
+      </p:sp>
     </p:spTree>
     <p:extLst>
       <p:ext uri="{BB962C8B-B14F-4D97-AF65-F5344CB8AC3E}">
@@ -31377,6 +32488,77 @@
           </a:p>
         </p:txBody>
       </p:sp>
+      <p:sp>
+        <p:nvSpPr>
+          <p:cNvPr id="3" name="Slide Number Placeholder 2">
+            <a:extLst>
+              <a:ext uri="{FF2B5EF4-FFF2-40B4-BE49-F238E27FC236}">
+                <a16:creationId xmlns:a16="http://schemas.microsoft.com/office/drawing/2014/main" id="{C5C98A5E-AE1B-4744-9ABD-07CB1F7EA96B}"/>
+              </a:ext>
+            </a:extLst>
+          </p:cNvPr>
+          <p:cNvSpPr>
+            <a:spLocks noGrp="1"/>
+          </p:cNvSpPr>
+          <p:nvPr>
+            <p:ph type="sldNum" sz="quarter" idx="12"/>
+          </p:nvPr>
+        </p:nvSpPr>
+        <p:spPr/>
+        <p:txBody>
+          <a:bodyPr/>
+          <a:lstStyle/>
+          <a:p>
+            <a:fld id="{9C0B2870-7350-8D40-A01A-CE539DF873CB}" type="slidenum">
+              <a:rPr lang="en-US" smtClean="0"/>
+              <a:t>26</a:t>
+            </a:fld>
+            <a:endParaRPr lang="en-US"/>
+          </a:p>
+        </p:txBody>
+      </p:sp>
+      <p:sp>
+        <p:nvSpPr>
+          <p:cNvPr id="7" name="TextBox 6">
+            <a:extLst>
+              <a:ext uri="{FF2B5EF4-FFF2-40B4-BE49-F238E27FC236}">
+                <a16:creationId xmlns:a16="http://schemas.microsoft.com/office/drawing/2014/main" id="{2F632E17-D19A-0545-8985-701F9BF42D96}"/>
+              </a:ext>
+            </a:extLst>
+          </p:cNvPr>
+          <p:cNvSpPr txBox="1"/>
+          <p:nvPr/>
+        </p:nvSpPr>
+        <p:spPr>
+          <a:xfrm>
+            <a:off x="0" y="6538912"/>
+            <a:ext cx="1243161" cy="276999"/>
+          </a:xfrm>
+          <a:prstGeom prst="rect">
+            <a:avLst/>
+          </a:prstGeom>
+          <a:noFill/>
+        </p:spPr>
+        <p:txBody>
+          <a:bodyPr wrap="none" rtlCol="0">
+            <a:spAutoFit/>
+          </a:bodyPr>
+          <a:lstStyle/>
+          <a:p>
+            <a:r>
+              <a:rPr lang="en-US" sz="1200" dirty="0">
+                <a:solidFill>
+                  <a:schemeClr val="tx1">
+                    <a:lumMod val="50000"/>
+                    <a:lumOff val="50000"/>
+                  </a:schemeClr>
+                </a:solidFill>
+              </a:rPr>
+              <a:t>PAT06_BoW.pptx</a:t>
+            </a:r>
+          </a:p>
+        </p:txBody>
+      </p:sp>
     </p:spTree>
     <p:extLst>
       <p:ext uri="{BB962C8B-B14F-4D97-AF65-F5344CB8AC3E}">
@@ -31637,6 +32819,77 @@
           </a:p>
         </p:txBody>
       </p:sp>
+      <p:sp>
+        <p:nvSpPr>
+          <p:cNvPr id="3" name="Slide Number Placeholder 2">
+            <a:extLst>
+              <a:ext uri="{FF2B5EF4-FFF2-40B4-BE49-F238E27FC236}">
+                <a16:creationId xmlns:a16="http://schemas.microsoft.com/office/drawing/2014/main" id="{529FAB8A-287C-3E4B-A7BA-1714A1F8ADB4}"/>
+              </a:ext>
+            </a:extLst>
+          </p:cNvPr>
+          <p:cNvSpPr>
+            <a:spLocks noGrp="1"/>
+          </p:cNvSpPr>
+          <p:nvPr>
+            <p:ph type="sldNum" sz="quarter" idx="12"/>
+          </p:nvPr>
+        </p:nvSpPr>
+        <p:spPr/>
+        <p:txBody>
+          <a:bodyPr/>
+          <a:lstStyle/>
+          <a:p>
+            <a:fld id="{9C0B2870-7350-8D40-A01A-CE539DF873CB}" type="slidenum">
+              <a:rPr lang="en-US" smtClean="0"/>
+              <a:t>27</a:t>
+            </a:fld>
+            <a:endParaRPr lang="en-US"/>
+          </a:p>
+        </p:txBody>
+      </p:sp>
+      <p:sp>
+        <p:nvSpPr>
+          <p:cNvPr id="9" name="TextBox 8">
+            <a:extLst>
+              <a:ext uri="{FF2B5EF4-FFF2-40B4-BE49-F238E27FC236}">
+                <a16:creationId xmlns:a16="http://schemas.microsoft.com/office/drawing/2014/main" id="{A25F22EA-F716-3540-A279-7788B6C2DE90}"/>
+              </a:ext>
+            </a:extLst>
+          </p:cNvPr>
+          <p:cNvSpPr txBox="1"/>
+          <p:nvPr/>
+        </p:nvSpPr>
+        <p:spPr>
+          <a:xfrm>
+            <a:off x="0" y="6538912"/>
+            <a:ext cx="1243161" cy="276999"/>
+          </a:xfrm>
+          <a:prstGeom prst="rect">
+            <a:avLst/>
+          </a:prstGeom>
+          <a:noFill/>
+        </p:spPr>
+        <p:txBody>
+          <a:bodyPr wrap="none" rtlCol="0">
+            <a:spAutoFit/>
+          </a:bodyPr>
+          <a:lstStyle/>
+          <a:p>
+            <a:r>
+              <a:rPr lang="en-US" sz="1200" dirty="0">
+                <a:solidFill>
+                  <a:schemeClr val="tx1">
+                    <a:lumMod val="50000"/>
+                    <a:lumOff val="50000"/>
+                  </a:schemeClr>
+                </a:solidFill>
+              </a:rPr>
+              <a:t>PAT06_BoW.pptx</a:t>
+            </a:r>
+          </a:p>
+        </p:txBody>
+      </p:sp>
     </p:spTree>
     <p:extLst>
       <p:ext uri="{BB962C8B-B14F-4D97-AF65-F5344CB8AC3E}">
@@ -31975,6 +33228,77 @@
           </a:p>
         </p:txBody>
       </p:sp>
+      <p:sp>
+        <p:nvSpPr>
+          <p:cNvPr id="3" name="Slide Number Placeholder 2">
+            <a:extLst>
+              <a:ext uri="{FF2B5EF4-FFF2-40B4-BE49-F238E27FC236}">
+                <a16:creationId xmlns:a16="http://schemas.microsoft.com/office/drawing/2014/main" id="{3095CC91-999F-2247-ACA8-1E38D478005A}"/>
+              </a:ext>
+            </a:extLst>
+          </p:cNvPr>
+          <p:cNvSpPr>
+            <a:spLocks noGrp="1"/>
+          </p:cNvSpPr>
+          <p:nvPr>
+            <p:ph type="sldNum" sz="quarter" idx="12"/>
+          </p:nvPr>
+        </p:nvSpPr>
+        <p:spPr/>
+        <p:txBody>
+          <a:bodyPr/>
+          <a:lstStyle/>
+          <a:p>
+            <a:fld id="{9C0B2870-7350-8D40-A01A-CE539DF873CB}" type="slidenum">
+              <a:rPr lang="en-US" smtClean="0"/>
+              <a:t>28</a:t>
+            </a:fld>
+            <a:endParaRPr lang="en-US"/>
+          </a:p>
+        </p:txBody>
+      </p:sp>
+      <p:sp>
+        <p:nvSpPr>
+          <p:cNvPr id="11" name="TextBox 10">
+            <a:extLst>
+              <a:ext uri="{FF2B5EF4-FFF2-40B4-BE49-F238E27FC236}">
+                <a16:creationId xmlns:a16="http://schemas.microsoft.com/office/drawing/2014/main" id="{7A098DA2-E560-C84C-BB9E-29D8E5AB3D61}"/>
+              </a:ext>
+            </a:extLst>
+          </p:cNvPr>
+          <p:cNvSpPr txBox="1"/>
+          <p:nvPr/>
+        </p:nvSpPr>
+        <p:spPr>
+          <a:xfrm>
+            <a:off x="0" y="6538912"/>
+            <a:ext cx="1243161" cy="276999"/>
+          </a:xfrm>
+          <a:prstGeom prst="rect">
+            <a:avLst/>
+          </a:prstGeom>
+          <a:noFill/>
+        </p:spPr>
+        <p:txBody>
+          <a:bodyPr wrap="none" rtlCol="0">
+            <a:spAutoFit/>
+          </a:bodyPr>
+          <a:lstStyle/>
+          <a:p>
+            <a:r>
+              <a:rPr lang="en-US" sz="1200" dirty="0">
+                <a:solidFill>
+                  <a:schemeClr val="tx1">
+                    <a:lumMod val="50000"/>
+                    <a:lumOff val="50000"/>
+                  </a:schemeClr>
+                </a:solidFill>
+              </a:rPr>
+              <a:t>PAT06_BoW.pptx</a:t>
+            </a:r>
+          </a:p>
+        </p:txBody>
+      </p:sp>
     </p:spTree>
     <p:extLst>
       <p:ext uri="{BB962C8B-B14F-4D97-AF65-F5344CB8AC3E}">
@@ -32859,6 +34183,77 @@
           </a:p>
         </p:txBody>
       </p:sp>
+      <p:sp>
+        <p:nvSpPr>
+          <p:cNvPr id="3" name="Slide Number Placeholder 2">
+            <a:extLst>
+              <a:ext uri="{FF2B5EF4-FFF2-40B4-BE49-F238E27FC236}">
+                <a16:creationId xmlns:a16="http://schemas.microsoft.com/office/drawing/2014/main" id="{40E604E3-E6B4-D440-A00E-3A1F6E98A802}"/>
+              </a:ext>
+            </a:extLst>
+          </p:cNvPr>
+          <p:cNvSpPr>
+            <a:spLocks noGrp="1"/>
+          </p:cNvSpPr>
+          <p:nvPr>
+            <p:ph type="sldNum" sz="quarter" idx="12"/>
+          </p:nvPr>
+        </p:nvSpPr>
+        <p:spPr/>
+        <p:txBody>
+          <a:bodyPr/>
+          <a:lstStyle/>
+          <a:p>
+            <a:fld id="{9C0B2870-7350-8D40-A01A-CE539DF873CB}" type="slidenum">
+              <a:rPr lang="en-US" smtClean="0"/>
+              <a:t>29</a:t>
+            </a:fld>
+            <a:endParaRPr lang="en-US"/>
+          </a:p>
+        </p:txBody>
+      </p:sp>
+      <p:sp>
+        <p:nvSpPr>
+          <p:cNvPr id="25" name="TextBox 24">
+            <a:extLst>
+              <a:ext uri="{FF2B5EF4-FFF2-40B4-BE49-F238E27FC236}">
+                <a16:creationId xmlns:a16="http://schemas.microsoft.com/office/drawing/2014/main" id="{37C3D054-E6D6-D54E-A3FE-030A3EC6CF3A}"/>
+              </a:ext>
+            </a:extLst>
+          </p:cNvPr>
+          <p:cNvSpPr txBox="1"/>
+          <p:nvPr/>
+        </p:nvSpPr>
+        <p:spPr>
+          <a:xfrm>
+            <a:off x="0" y="6538912"/>
+            <a:ext cx="1243161" cy="276999"/>
+          </a:xfrm>
+          <a:prstGeom prst="rect">
+            <a:avLst/>
+          </a:prstGeom>
+          <a:noFill/>
+        </p:spPr>
+        <p:txBody>
+          <a:bodyPr wrap="none" rtlCol="0">
+            <a:spAutoFit/>
+          </a:bodyPr>
+          <a:lstStyle/>
+          <a:p>
+            <a:r>
+              <a:rPr lang="en-US" sz="1200" dirty="0">
+                <a:solidFill>
+                  <a:schemeClr val="tx1">
+                    <a:lumMod val="50000"/>
+                    <a:lumOff val="50000"/>
+                  </a:schemeClr>
+                </a:solidFill>
+              </a:rPr>
+              <a:t>PAT06_BoW.pptx</a:t>
+            </a:r>
+          </a:p>
+        </p:txBody>
+      </p:sp>
     </p:spTree>
     <p:extLst>
       <p:ext uri="{BB962C8B-B14F-4D97-AF65-F5344CB8AC3E}">
@@ -32964,6 +34359,77 @@
           </a:p>
         </p:txBody>
       </p:sp>
+      <p:sp>
+        <p:nvSpPr>
+          <p:cNvPr id="3" name="Slide Number Placeholder 2">
+            <a:extLst>
+              <a:ext uri="{FF2B5EF4-FFF2-40B4-BE49-F238E27FC236}">
+                <a16:creationId xmlns:a16="http://schemas.microsoft.com/office/drawing/2014/main" id="{1FB088A7-5C9D-CE47-835F-F980F7C424E4}"/>
+              </a:ext>
+            </a:extLst>
+          </p:cNvPr>
+          <p:cNvSpPr>
+            <a:spLocks noGrp="1"/>
+          </p:cNvSpPr>
+          <p:nvPr>
+            <p:ph type="sldNum" sz="quarter" idx="12"/>
+          </p:nvPr>
+        </p:nvSpPr>
+        <p:spPr/>
+        <p:txBody>
+          <a:bodyPr/>
+          <a:lstStyle/>
+          <a:p>
+            <a:fld id="{9C0B2870-7350-8D40-A01A-CE539DF873CB}" type="slidenum">
+              <a:rPr lang="en-US" smtClean="0"/>
+              <a:t>3</a:t>
+            </a:fld>
+            <a:endParaRPr lang="en-US"/>
+          </a:p>
+        </p:txBody>
+      </p:sp>
+      <p:sp>
+        <p:nvSpPr>
+          <p:cNvPr id="6" name="TextBox 5">
+            <a:extLst>
+              <a:ext uri="{FF2B5EF4-FFF2-40B4-BE49-F238E27FC236}">
+                <a16:creationId xmlns:a16="http://schemas.microsoft.com/office/drawing/2014/main" id="{878D3E11-D724-EE46-B6AB-591FA884490A}"/>
+              </a:ext>
+            </a:extLst>
+          </p:cNvPr>
+          <p:cNvSpPr txBox="1"/>
+          <p:nvPr/>
+        </p:nvSpPr>
+        <p:spPr>
+          <a:xfrm>
+            <a:off x="0" y="6538912"/>
+            <a:ext cx="1243161" cy="276999"/>
+          </a:xfrm>
+          <a:prstGeom prst="rect">
+            <a:avLst/>
+          </a:prstGeom>
+          <a:noFill/>
+        </p:spPr>
+        <p:txBody>
+          <a:bodyPr wrap="none" rtlCol="0">
+            <a:spAutoFit/>
+          </a:bodyPr>
+          <a:lstStyle/>
+          <a:p>
+            <a:r>
+              <a:rPr lang="en-US" sz="1200" dirty="0">
+                <a:solidFill>
+                  <a:schemeClr val="tx1">
+                    <a:lumMod val="50000"/>
+                    <a:lumOff val="50000"/>
+                  </a:schemeClr>
+                </a:solidFill>
+              </a:rPr>
+              <a:t>PAT06_BoW.pptx</a:t>
+            </a:r>
+          </a:p>
+        </p:txBody>
+      </p:sp>
     </p:spTree>
     <p:extLst>
       <p:ext uri="{BB962C8B-B14F-4D97-AF65-F5344CB8AC3E}">
@@ -33871,6 +35337,77 @@
           </a:p>
         </p:txBody>
       </p:sp>
+      <p:sp>
+        <p:nvSpPr>
+          <p:cNvPr id="3" name="Slide Number Placeholder 2">
+            <a:extLst>
+              <a:ext uri="{FF2B5EF4-FFF2-40B4-BE49-F238E27FC236}">
+                <a16:creationId xmlns:a16="http://schemas.microsoft.com/office/drawing/2014/main" id="{8E883AC8-7D35-BA4B-BDB8-1F472EC34441}"/>
+              </a:ext>
+            </a:extLst>
+          </p:cNvPr>
+          <p:cNvSpPr>
+            <a:spLocks noGrp="1"/>
+          </p:cNvSpPr>
+          <p:nvPr>
+            <p:ph type="sldNum" sz="quarter" idx="12"/>
+          </p:nvPr>
+        </p:nvSpPr>
+        <p:spPr/>
+        <p:txBody>
+          <a:bodyPr/>
+          <a:lstStyle/>
+          <a:p>
+            <a:fld id="{9C0B2870-7350-8D40-A01A-CE539DF873CB}" type="slidenum">
+              <a:rPr lang="en-US" smtClean="0"/>
+              <a:t>30</a:t>
+            </a:fld>
+            <a:endParaRPr lang="en-US"/>
+          </a:p>
+        </p:txBody>
+      </p:sp>
+      <p:sp>
+        <p:nvSpPr>
+          <p:cNvPr id="27" name="TextBox 26">
+            <a:extLst>
+              <a:ext uri="{FF2B5EF4-FFF2-40B4-BE49-F238E27FC236}">
+                <a16:creationId xmlns:a16="http://schemas.microsoft.com/office/drawing/2014/main" id="{3C05B58B-3766-DA4E-9380-F5AFAE345012}"/>
+              </a:ext>
+            </a:extLst>
+          </p:cNvPr>
+          <p:cNvSpPr txBox="1"/>
+          <p:nvPr/>
+        </p:nvSpPr>
+        <p:spPr>
+          <a:xfrm>
+            <a:off x="0" y="6538912"/>
+            <a:ext cx="1243161" cy="276999"/>
+          </a:xfrm>
+          <a:prstGeom prst="rect">
+            <a:avLst/>
+          </a:prstGeom>
+          <a:noFill/>
+        </p:spPr>
+        <p:txBody>
+          <a:bodyPr wrap="none" rtlCol="0">
+            <a:spAutoFit/>
+          </a:bodyPr>
+          <a:lstStyle/>
+          <a:p>
+            <a:r>
+              <a:rPr lang="en-US" sz="1200" dirty="0">
+                <a:solidFill>
+                  <a:schemeClr val="tx1">
+                    <a:lumMod val="50000"/>
+                    <a:lumOff val="50000"/>
+                  </a:schemeClr>
+                </a:solidFill>
+              </a:rPr>
+              <a:t>PAT06_BoW.pptx</a:t>
+            </a:r>
+          </a:p>
+        </p:txBody>
+      </p:sp>
     </p:spTree>
     <p:extLst>
       <p:ext uri="{BB962C8B-B14F-4D97-AF65-F5344CB8AC3E}">
@@ -34784,6 +36321,77 @@
           </a:p>
         </p:txBody>
       </p:sp>
+      <p:sp>
+        <p:nvSpPr>
+          <p:cNvPr id="3" name="Slide Number Placeholder 2">
+            <a:extLst>
+              <a:ext uri="{FF2B5EF4-FFF2-40B4-BE49-F238E27FC236}">
+                <a16:creationId xmlns:a16="http://schemas.microsoft.com/office/drawing/2014/main" id="{EFCBC44B-0C15-AB41-898C-F67B4F944896}"/>
+              </a:ext>
+            </a:extLst>
+          </p:cNvPr>
+          <p:cNvSpPr>
+            <a:spLocks noGrp="1"/>
+          </p:cNvSpPr>
+          <p:nvPr>
+            <p:ph type="sldNum" sz="quarter" idx="12"/>
+          </p:nvPr>
+        </p:nvSpPr>
+        <p:spPr/>
+        <p:txBody>
+          <a:bodyPr/>
+          <a:lstStyle/>
+          <a:p>
+            <a:fld id="{9C0B2870-7350-8D40-A01A-CE539DF873CB}" type="slidenum">
+              <a:rPr lang="en-US" smtClean="0"/>
+              <a:t>31</a:t>
+            </a:fld>
+            <a:endParaRPr lang="en-US"/>
+          </a:p>
+        </p:txBody>
+      </p:sp>
+      <p:sp>
+        <p:nvSpPr>
+          <p:cNvPr id="27" name="TextBox 26">
+            <a:extLst>
+              <a:ext uri="{FF2B5EF4-FFF2-40B4-BE49-F238E27FC236}">
+                <a16:creationId xmlns:a16="http://schemas.microsoft.com/office/drawing/2014/main" id="{284F260F-14FE-C14A-857C-BEF5B05B63ED}"/>
+              </a:ext>
+            </a:extLst>
+          </p:cNvPr>
+          <p:cNvSpPr txBox="1"/>
+          <p:nvPr/>
+        </p:nvSpPr>
+        <p:spPr>
+          <a:xfrm>
+            <a:off x="0" y="6538912"/>
+            <a:ext cx="1243161" cy="276999"/>
+          </a:xfrm>
+          <a:prstGeom prst="rect">
+            <a:avLst/>
+          </a:prstGeom>
+          <a:noFill/>
+        </p:spPr>
+        <p:txBody>
+          <a:bodyPr wrap="none" rtlCol="0">
+            <a:spAutoFit/>
+          </a:bodyPr>
+          <a:lstStyle/>
+          <a:p>
+            <a:r>
+              <a:rPr lang="en-US" sz="1200" dirty="0">
+                <a:solidFill>
+                  <a:schemeClr val="tx1">
+                    <a:lumMod val="50000"/>
+                    <a:lumOff val="50000"/>
+                  </a:schemeClr>
+                </a:solidFill>
+              </a:rPr>
+              <a:t>PAT06_BoW.pptx</a:t>
+            </a:r>
+          </a:p>
+        </p:txBody>
+      </p:sp>
     </p:spTree>
     <p:extLst>
       <p:ext uri="{BB962C8B-B14F-4D97-AF65-F5344CB8AC3E}">
@@ -35836,6 +37444,77 @@
           </a:p>
         </p:txBody>
       </p:sp>
+      <p:sp>
+        <p:nvSpPr>
+          <p:cNvPr id="29" name="Slide Number Placeholder 28">
+            <a:extLst>
+              <a:ext uri="{FF2B5EF4-FFF2-40B4-BE49-F238E27FC236}">
+                <a16:creationId xmlns:a16="http://schemas.microsoft.com/office/drawing/2014/main" id="{C73C55EC-13F5-5546-B24E-EE803285BF58}"/>
+              </a:ext>
+            </a:extLst>
+          </p:cNvPr>
+          <p:cNvSpPr>
+            <a:spLocks noGrp="1"/>
+          </p:cNvSpPr>
+          <p:nvPr>
+            <p:ph type="sldNum" sz="quarter" idx="12"/>
+          </p:nvPr>
+        </p:nvSpPr>
+        <p:spPr/>
+        <p:txBody>
+          <a:bodyPr/>
+          <a:lstStyle/>
+          <a:p>
+            <a:fld id="{9C0B2870-7350-8D40-A01A-CE539DF873CB}" type="slidenum">
+              <a:rPr lang="en-US" smtClean="0"/>
+              <a:t>32</a:t>
+            </a:fld>
+            <a:endParaRPr lang="en-US"/>
+          </a:p>
+        </p:txBody>
+      </p:sp>
+      <p:sp>
+        <p:nvSpPr>
+          <p:cNvPr id="30" name="TextBox 29">
+            <a:extLst>
+              <a:ext uri="{FF2B5EF4-FFF2-40B4-BE49-F238E27FC236}">
+                <a16:creationId xmlns:a16="http://schemas.microsoft.com/office/drawing/2014/main" id="{113AD88D-2985-8B44-9EB6-85D5EDA83331}"/>
+              </a:ext>
+            </a:extLst>
+          </p:cNvPr>
+          <p:cNvSpPr txBox="1"/>
+          <p:nvPr/>
+        </p:nvSpPr>
+        <p:spPr>
+          <a:xfrm>
+            <a:off x="0" y="6538912"/>
+            <a:ext cx="1243161" cy="276999"/>
+          </a:xfrm>
+          <a:prstGeom prst="rect">
+            <a:avLst/>
+          </a:prstGeom>
+          <a:noFill/>
+        </p:spPr>
+        <p:txBody>
+          <a:bodyPr wrap="none" rtlCol="0">
+            <a:spAutoFit/>
+          </a:bodyPr>
+          <a:lstStyle/>
+          <a:p>
+            <a:r>
+              <a:rPr lang="en-US" sz="1200" dirty="0">
+                <a:solidFill>
+                  <a:schemeClr val="tx1">
+                    <a:lumMod val="50000"/>
+                    <a:lumOff val="50000"/>
+                  </a:schemeClr>
+                </a:solidFill>
+              </a:rPr>
+              <a:t>PAT06_BoW.pptx</a:t>
+            </a:r>
+          </a:p>
+        </p:txBody>
+      </p:sp>
     </p:spTree>
     <p:extLst>
       <p:ext uri="{BB962C8B-B14F-4D97-AF65-F5344CB8AC3E}">
@@ -36842,6 +38521,77 @@
           </a:p>
         </p:txBody>
       </p:sp>
+      <p:sp>
+        <p:nvSpPr>
+          <p:cNvPr id="28" name="Slide Number Placeholder 27">
+            <a:extLst>
+              <a:ext uri="{FF2B5EF4-FFF2-40B4-BE49-F238E27FC236}">
+                <a16:creationId xmlns:a16="http://schemas.microsoft.com/office/drawing/2014/main" id="{98A20D50-3BFE-F548-927D-0540A43A5946}"/>
+              </a:ext>
+            </a:extLst>
+          </p:cNvPr>
+          <p:cNvSpPr>
+            <a:spLocks noGrp="1"/>
+          </p:cNvSpPr>
+          <p:nvPr>
+            <p:ph type="sldNum" sz="quarter" idx="12"/>
+          </p:nvPr>
+        </p:nvSpPr>
+        <p:spPr/>
+        <p:txBody>
+          <a:bodyPr/>
+          <a:lstStyle/>
+          <a:p>
+            <a:fld id="{9C0B2870-7350-8D40-A01A-CE539DF873CB}" type="slidenum">
+              <a:rPr lang="en-US" smtClean="0"/>
+              <a:t>33</a:t>
+            </a:fld>
+            <a:endParaRPr lang="en-US"/>
+          </a:p>
+        </p:txBody>
+      </p:sp>
+      <p:sp>
+        <p:nvSpPr>
+          <p:cNvPr id="29" name="TextBox 28">
+            <a:extLst>
+              <a:ext uri="{FF2B5EF4-FFF2-40B4-BE49-F238E27FC236}">
+                <a16:creationId xmlns:a16="http://schemas.microsoft.com/office/drawing/2014/main" id="{D4EA55F7-6ACE-2E48-8238-4EEF3C609983}"/>
+              </a:ext>
+            </a:extLst>
+          </p:cNvPr>
+          <p:cNvSpPr txBox="1"/>
+          <p:nvPr/>
+        </p:nvSpPr>
+        <p:spPr>
+          <a:xfrm>
+            <a:off x="0" y="6538912"/>
+            <a:ext cx="1243161" cy="276999"/>
+          </a:xfrm>
+          <a:prstGeom prst="rect">
+            <a:avLst/>
+          </a:prstGeom>
+          <a:noFill/>
+        </p:spPr>
+        <p:txBody>
+          <a:bodyPr wrap="none" rtlCol="0">
+            <a:spAutoFit/>
+          </a:bodyPr>
+          <a:lstStyle/>
+          <a:p>
+            <a:r>
+              <a:rPr lang="en-US" sz="1200" dirty="0">
+                <a:solidFill>
+                  <a:schemeClr val="tx1">
+                    <a:lumMod val="50000"/>
+                    <a:lumOff val="50000"/>
+                  </a:schemeClr>
+                </a:solidFill>
+              </a:rPr>
+              <a:t>PAT06_BoW.pptx</a:t>
+            </a:r>
+          </a:p>
+        </p:txBody>
+      </p:sp>
     </p:spTree>
     <p:extLst>
       <p:ext uri="{BB962C8B-B14F-4D97-AF65-F5344CB8AC3E}">
@@ -37221,6 +38971,77 @@
           </a:p>
         </p:txBody>
       </p:sp>
+      <p:sp>
+        <p:nvSpPr>
+          <p:cNvPr id="2" name="Slide Number Placeholder 1">
+            <a:extLst>
+              <a:ext uri="{FF2B5EF4-FFF2-40B4-BE49-F238E27FC236}">
+                <a16:creationId xmlns:a16="http://schemas.microsoft.com/office/drawing/2014/main" id="{23AD07CB-FFA3-DD49-B808-FC505CB68F94}"/>
+              </a:ext>
+            </a:extLst>
+          </p:cNvPr>
+          <p:cNvSpPr>
+            <a:spLocks noGrp="1"/>
+          </p:cNvSpPr>
+          <p:nvPr>
+            <p:ph type="sldNum" sz="quarter" idx="12"/>
+          </p:nvPr>
+        </p:nvSpPr>
+        <p:spPr/>
+        <p:txBody>
+          <a:bodyPr/>
+          <a:lstStyle/>
+          <a:p>
+            <a:fld id="{9C0B2870-7350-8D40-A01A-CE539DF873CB}" type="slidenum">
+              <a:rPr lang="en-US" smtClean="0"/>
+              <a:t>34</a:t>
+            </a:fld>
+            <a:endParaRPr lang="en-US"/>
+          </a:p>
+        </p:txBody>
+      </p:sp>
+      <p:sp>
+        <p:nvSpPr>
+          <p:cNvPr id="14" name="TextBox 13">
+            <a:extLst>
+              <a:ext uri="{FF2B5EF4-FFF2-40B4-BE49-F238E27FC236}">
+                <a16:creationId xmlns:a16="http://schemas.microsoft.com/office/drawing/2014/main" id="{795A6DA5-8725-B144-AE9E-2B772DD37E75}"/>
+              </a:ext>
+            </a:extLst>
+          </p:cNvPr>
+          <p:cNvSpPr txBox="1"/>
+          <p:nvPr/>
+        </p:nvSpPr>
+        <p:spPr>
+          <a:xfrm>
+            <a:off x="0" y="6538912"/>
+            <a:ext cx="1243161" cy="276999"/>
+          </a:xfrm>
+          <a:prstGeom prst="rect">
+            <a:avLst/>
+          </a:prstGeom>
+          <a:noFill/>
+        </p:spPr>
+        <p:txBody>
+          <a:bodyPr wrap="none" rtlCol="0">
+            <a:spAutoFit/>
+          </a:bodyPr>
+          <a:lstStyle/>
+          <a:p>
+            <a:r>
+              <a:rPr lang="en-US" sz="1200" dirty="0">
+                <a:solidFill>
+                  <a:schemeClr val="tx1">
+                    <a:lumMod val="50000"/>
+                    <a:lumOff val="50000"/>
+                  </a:schemeClr>
+                </a:solidFill>
+              </a:rPr>
+              <a:t>PAT06_BoW.pptx</a:t>
+            </a:r>
+          </a:p>
+        </p:txBody>
+      </p:sp>
     </p:spTree>
     <p:extLst>
       <p:ext uri="{BB962C8B-B14F-4D97-AF65-F5344CB8AC3E}">
@@ -37754,6 +39575,77 @@
           </a:p>
         </p:txBody>
       </p:sp>
+      <p:sp>
+        <p:nvSpPr>
+          <p:cNvPr id="2" name="Slide Number Placeholder 1">
+            <a:extLst>
+              <a:ext uri="{FF2B5EF4-FFF2-40B4-BE49-F238E27FC236}">
+                <a16:creationId xmlns:a16="http://schemas.microsoft.com/office/drawing/2014/main" id="{B264A0E2-B516-6D49-AD94-2286907ABCF5}"/>
+              </a:ext>
+            </a:extLst>
+          </p:cNvPr>
+          <p:cNvSpPr>
+            <a:spLocks noGrp="1"/>
+          </p:cNvSpPr>
+          <p:nvPr>
+            <p:ph type="sldNum" sz="quarter" idx="12"/>
+          </p:nvPr>
+        </p:nvSpPr>
+        <p:spPr/>
+        <p:txBody>
+          <a:bodyPr/>
+          <a:lstStyle/>
+          <a:p>
+            <a:fld id="{9C0B2870-7350-8D40-A01A-CE539DF873CB}" type="slidenum">
+              <a:rPr lang="en-US" smtClean="0"/>
+              <a:t>35</a:t>
+            </a:fld>
+            <a:endParaRPr lang="en-US"/>
+          </a:p>
+        </p:txBody>
+      </p:sp>
+      <p:sp>
+        <p:nvSpPr>
+          <p:cNvPr id="19" name="TextBox 18">
+            <a:extLst>
+              <a:ext uri="{FF2B5EF4-FFF2-40B4-BE49-F238E27FC236}">
+                <a16:creationId xmlns:a16="http://schemas.microsoft.com/office/drawing/2014/main" id="{612E46F2-50CA-6147-B7DD-DA80871B195D}"/>
+              </a:ext>
+            </a:extLst>
+          </p:cNvPr>
+          <p:cNvSpPr txBox="1"/>
+          <p:nvPr/>
+        </p:nvSpPr>
+        <p:spPr>
+          <a:xfrm>
+            <a:off x="0" y="6538912"/>
+            <a:ext cx="1243161" cy="276999"/>
+          </a:xfrm>
+          <a:prstGeom prst="rect">
+            <a:avLst/>
+          </a:prstGeom>
+          <a:noFill/>
+        </p:spPr>
+        <p:txBody>
+          <a:bodyPr wrap="none" rtlCol="0">
+            <a:spAutoFit/>
+          </a:bodyPr>
+          <a:lstStyle/>
+          <a:p>
+            <a:r>
+              <a:rPr lang="en-US" sz="1200" dirty="0">
+                <a:solidFill>
+                  <a:schemeClr val="tx1">
+                    <a:lumMod val="50000"/>
+                    <a:lumOff val="50000"/>
+                  </a:schemeClr>
+                </a:solidFill>
+              </a:rPr>
+              <a:t>PAT06_BoW.pptx</a:t>
+            </a:r>
+          </a:p>
+        </p:txBody>
+      </p:sp>
     </p:spTree>
     <p:extLst>
       <p:ext uri="{BB962C8B-B14F-4D97-AF65-F5344CB8AC3E}">
@@ -37852,6 +39744,77 @@
           </a:p>
         </p:txBody>
       </p:sp>
+      <p:sp>
+        <p:nvSpPr>
+          <p:cNvPr id="3" name="Slide Number Placeholder 2">
+            <a:extLst>
+              <a:ext uri="{FF2B5EF4-FFF2-40B4-BE49-F238E27FC236}">
+                <a16:creationId xmlns:a16="http://schemas.microsoft.com/office/drawing/2014/main" id="{7DFCFD53-9444-604C-863A-F6483D762B47}"/>
+              </a:ext>
+            </a:extLst>
+          </p:cNvPr>
+          <p:cNvSpPr>
+            <a:spLocks noGrp="1"/>
+          </p:cNvSpPr>
+          <p:nvPr>
+            <p:ph type="sldNum" sz="quarter" idx="12"/>
+          </p:nvPr>
+        </p:nvSpPr>
+        <p:spPr/>
+        <p:txBody>
+          <a:bodyPr/>
+          <a:lstStyle/>
+          <a:p>
+            <a:fld id="{9C0B2870-7350-8D40-A01A-CE539DF873CB}" type="slidenum">
+              <a:rPr lang="en-US" smtClean="0"/>
+              <a:t>36</a:t>
+            </a:fld>
+            <a:endParaRPr lang="en-US"/>
+          </a:p>
+        </p:txBody>
+      </p:sp>
+      <p:sp>
+        <p:nvSpPr>
+          <p:cNvPr id="4" name="TextBox 3">
+            <a:extLst>
+              <a:ext uri="{FF2B5EF4-FFF2-40B4-BE49-F238E27FC236}">
+                <a16:creationId xmlns:a16="http://schemas.microsoft.com/office/drawing/2014/main" id="{E1B18B84-76E7-0247-89D9-E60D2F1915EE}"/>
+              </a:ext>
+            </a:extLst>
+          </p:cNvPr>
+          <p:cNvSpPr txBox="1"/>
+          <p:nvPr/>
+        </p:nvSpPr>
+        <p:spPr>
+          <a:xfrm>
+            <a:off x="0" y="6538912"/>
+            <a:ext cx="1243161" cy="276999"/>
+          </a:xfrm>
+          <a:prstGeom prst="rect">
+            <a:avLst/>
+          </a:prstGeom>
+          <a:noFill/>
+        </p:spPr>
+        <p:txBody>
+          <a:bodyPr wrap="none" rtlCol="0">
+            <a:spAutoFit/>
+          </a:bodyPr>
+          <a:lstStyle/>
+          <a:p>
+            <a:r>
+              <a:rPr lang="en-US" sz="1200" dirty="0">
+                <a:solidFill>
+                  <a:schemeClr val="tx1">
+                    <a:lumMod val="50000"/>
+                    <a:lumOff val="50000"/>
+                  </a:schemeClr>
+                </a:solidFill>
+              </a:rPr>
+              <a:t>PAT06_BoW.pptx</a:t>
+            </a:r>
+          </a:p>
+        </p:txBody>
+      </p:sp>
     </p:spTree>
     <p:extLst>
       <p:ext uri="{BB962C8B-B14F-4D97-AF65-F5344CB8AC3E}">
@@ -38032,6 +39995,77 @@
           </a:p>
           <a:p>
             <a:endParaRPr lang="en-US" dirty="0"/>
+          </a:p>
+        </p:txBody>
+      </p:sp>
+      <p:sp>
+        <p:nvSpPr>
+          <p:cNvPr id="3" name="Slide Number Placeholder 2">
+            <a:extLst>
+              <a:ext uri="{FF2B5EF4-FFF2-40B4-BE49-F238E27FC236}">
+                <a16:creationId xmlns:a16="http://schemas.microsoft.com/office/drawing/2014/main" id="{9F3C52FF-75E9-404A-B143-EA30FA17957D}"/>
+              </a:ext>
+            </a:extLst>
+          </p:cNvPr>
+          <p:cNvSpPr>
+            <a:spLocks noGrp="1"/>
+          </p:cNvSpPr>
+          <p:nvPr>
+            <p:ph type="sldNum" sz="quarter" idx="12"/>
+          </p:nvPr>
+        </p:nvSpPr>
+        <p:spPr/>
+        <p:txBody>
+          <a:bodyPr/>
+          <a:lstStyle/>
+          <a:p>
+            <a:fld id="{9C0B2870-7350-8D40-A01A-CE539DF873CB}" type="slidenum">
+              <a:rPr lang="en-US" smtClean="0"/>
+              <a:t>37</a:t>
+            </a:fld>
+            <a:endParaRPr lang="en-US"/>
+          </a:p>
+        </p:txBody>
+      </p:sp>
+      <p:sp>
+        <p:nvSpPr>
+          <p:cNvPr id="5" name="TextBox 4">
+            <a:extLst>
+              <a:ext uri="{FF2B5EF4-FFF2-40B4-BE49-F238E27FC236}">
+                <a16:creationId xmlns:a16="http://schemas.microsoft.com/office/drawing/2014/main" id="{F44B678C-72F4-9948-828C-3DD1AD3D29AC}"/>
+              </a:ext>
+            </a:extLst>
+          </p:cNvPr>
+          <p:cNvSpPr txBox="1"/>
+          <p:nvPr/>
+        </p:nvSpPr>
+        <p:spPr>
+          <a:xfrm>
+            <a:off x="0" y="6538912"/>
+            <a:ext cx="1243161" cy="276999"/>
+          </a:xfrm>
+          <a:prstGeom prst="rect">
+            <a:avLst/>
+          </a:prstGeom>
+          <a:noFill/>
+        </p:spPr>
+        <p:txBody>
+          <a:bodyPr wrap="none" rtlCol="0">
+            <a:spAutoFit/>
+          </a:bodyPr>
+          <a:lstStyle/>
+          <a:p>
+            <a:r>
+              <a:rPr lang="en-US" sz="1200" dirty="0">
+                <a:solidFill>
+                  <a:schemeClr val="tx1">
+                    <a:lumMod val="50000"/>
+                    <a:lumOff val="50000"/>
+                  </a:schemeClr>
+                </a:solidFill>
+              </a:rPr>
+              <a:t>PAT06_BoW.pptx</a:t>
+            </a:r>
           </a:p>
         </p:txBody>
       </p:sp>
@@ -38676,6 +40710,77 @@
           </a:fontRef>
         </p:style>
       </p:cxnSp>
+      <p:sp>
+        <p:nvSpPr>
+          <p:cNvPr id="4" name="Slide Number Placeholder 3">
+            <a:extLst>
+              <a:ext uri="{FF2B5EF4-FFF2-40B4-BE49-F238E27FC236}">
+                <a16:creationId xmlns:a16="http://schemas.microsoft.com/office/drawing/2014/main" id="{3AFE3D60-6ABF-334E-8B2B-0DD7F9374DC9}"/>
+              </a:ext>
+            </a:extLst>
+          </p:cNvPr>
+          <p:cNvSpPr>
+            <a:spLocks noGrp="1"/>
+          </p:cNvSpPr>
+          <p:nvPr>
+            <p:ph type="sldNum" sz="quarter" idx="12"/>
+          </p:nvPr>
+        </p:nvSpPr>
+        <p:spPr/>
+        <p:txBody>
+          <a:bodyPr/>
+          <a:lstStyle/>
+          <a:p>
+            <a:fld id="{9C0B2870-7350-8D40-A01A-CE539DF873CB}" type="slidenum">
+              <a:rPr lang="en-US" smtClean="0"/>
+              <a:t>4</a:t>
+            </a:fld>
+            <a:endParaRPr lang="en-US"/>
+          </a:p>
+        </p:txBody>
+      </p:sp>
+      <p:sp>
+        <p:nvSpPr>
+          <p:cNvPr id="21" name="TextBox 20">
+            <a:extLst>
+              <a:ext uri="{FF2B5EF4-FFF2-40B4-BE49-F238E27FC236}">
+                <a16:creationId xmlns:a16="http://schemas.microsoft.com/office/drawing/2014/main" id="{F7E4086C-56D1-8D41-9D3B-832BB2BACC38}"/>
+              </a:ext>
+            </a:extLst>
+          </p:cNvPr>
+          <p:cNvSpPr txBox="1"/>
+          <p:nvPr/>
+        </p:nvSpPr>
+        <p:spPr>
+          <a:xfrm>
+            <a:off x="0" y="6538912"/>
+            <a:ext cx="1243161" cy="276999"/>
+          </a:xfrm>
+          <a:prstGeom prst="rect">
+            <a:avLst/>
+          </a:prstGeom>
+          <a:noFill/>
+        </p:spPr>
+        <p:txBody>
+          <a:bodyPr wrap="none" rtlCol="0">
+            <a:spAutoFit/>
+          </a:bodyPr>
+          <a:lstStyle/>
+          <a:p>
+            <a:r>
+              <a:rPr lang="en-US" sz="1200" dirty="0">
+                <a:solidFill>
+                  <a:schemeClr val="tx1">
+                    <a:lumMod val="50000"/>
+                    <a:lumOff val="50000"/>
+                  </a:schemeClr>
+                </a:solidFill>
+              </a:rPr>
+              <a:t>PAT06_BoW.pptx</a:t>
+            </a:r>
+          </a:p>
+        </p:txBody>
+      </p:sp>
     </p:spTree>
     <p:extLst>
       <p:ext uri="{BB962C8B-B14F-4D97-AF65-F5344CB8AC3E}">
@@ -39606,6 +41711,77 @@
           </a:graphicData>
         </a:graphic>
       </p:graphicFrame>
+      <p:sp>
+        <p:nvSpPr>
+          <p:cNvPr id="4" name="Slide Number Placeholder 3">
+            <a:extLst>
+              <a:ext uri="{FF2B5EF4-FFF2-40B4-BE49-F238E27FC236}">
+                <a16:creationId xmlns:a16="http://schemas.microsoft.com/office/drawing/2014/main" id="{BFF7DAF6-1A99-744D-915F-BDD4E986CC1B}"/>
+              </a:ext>
+            </a:extLst>
+          </p:cNvPr>
+          <p:cNvSpPr>
+            <a:spLocks noGrp="1"/>
+          </p:cNvSpPr>
+          <p:nvPr>
+            <p:ph type="sldNum" sz="quarter" idx="12"/>
+          </p:nvPr>
+        </p:nvSpPr>
+        <p:spPr/>
+        <p:txBody>
+          <a:bodyPr/>
+          <a:lstStyle/>
+          <a:p>
+            <a:fld id="{9C0B2870-7350-8D40-A01A-CE539DF873CB}" type="slidenum">
+              <a:rPr lang="en-US" smtClean="0"/>
+              <a:t>5</a:t>
+            </a:fld>
+            <a:endParaRPr lang="en-US"/>
+          </a:p>
+        </p:txBody>
+      </p:sp>
+      <p:sp>
+        <p:nvSpPr>
+          <p:cNvPr id="23" name="TextBox 22">
+            <a:extLst>
+              <a:ext uri="{FF2B5EF4-FFF2-40B4-BE49-F238E27FC236}">
+                <a16:creationId xmlns:a16="http://schemas.microsoft.com/office/drawing/2014/main" id="{7E609689-C454-EA44-B46F-3DE82FD2AED6}"/>
+              </a:ext>
+            </a:extLst>
+          </p:cNvPr>
+          <p:cNvSpPr txBox="1"/>
+          <p:nvPr/>
+        </p:nvSpPr>
+        <p:spPr>
+          <a:xfrm>
+            <a:off x="0" y="6538912"/>
+            <a:ext cx="1243161" cy="276999"/>
+          </a:xfrm>
+          <a:prstGeom prst="rect">
+            <a:avLst/>
+          </a:prstGeom>
+          <a:noFill/>
+        </p:spPr>
+        <p:txBody>
+          <a:bodyPr wrap="none" rtlCol="0">
+            <a:spAutoFit/>
+          </a:bodyPr>
+          <a:lstStyle/>
+          <a:p>
+            <a:r>
+              <a:rPr lang="en-US" sz="1200" dirty="0">
+                <a:solidFill>
+                  <a:schemeClr val="tx1">
+                    <a:lumMod val="50000"/>
+                    <a:lumOff val="50000"/>
+                  </a:schemeClr>
+                </a:solidFill>
+              </a:rPr>
+              <a:t>PAT06_BoW.pptx</a:t>
+            </a:r>
+          </a:p>
+        </p:txBody>
+      </p:sp>
     </p:spTree>
     <p:extLst>
       <p:ext uri="{BB962C8B-B14F-4D97-AF65-F5344CB8AC3E}">
@@ -43958,6 +46134,77 @@
           </a:p>
         </p:txBody>
       </p:sp>
+      <p:sp>
+        <p:nvSpPr>
+          <p:cNvPr id="3" name="Slide Number Placeholder 2">
+            <a:extLst>
+              <a:ext uri="{FF2B5EF4-FFF2-40B4-BE49-F238E27FC236}">
+                <a16:creationId xmlns:a16="http://schemas.microsoft.com/office/drawing/2014/main" id="{5529313D-7D2B-244D-9BEE-AB634807038F}"/>
+              </a:ext>
+            </a:extLst>
+          </p:cNvPr>
+          <p:cNvSpPr>
+            <a:spLocks noGrp="1"/>
+          </p:cNvSpPr>
+          <p:nvPr>
+            <p:ph type="sldNum" sz="quarter" idx="12"/>
+          </p:nvPr>
+        </p:nvSpPr>
+        <p:spPr/>
+        <p:txBody>
+          <a:bodyPr/>
+          <a:lstStyle/>
+          <a:p>
+            <a:fld id="{9C0B2870-7350-8D40-A01A-CE539DF873CB}" type="slidenum">
+              <a:rPr lang="en-US" smtClean="0"/>
+              <a:t>6</a:t>
+            </a:fld>
+            <a:endParaRPr lang="en-US"/>
+          </a:p>
+        </p:txBody>
+      </p:sp>
+      <p:sp>
+        <p:nvSpPr>
+          <p:cNvPr id="50" name="TextBox 49">
+            <a:extLst>
+              <a:ext uri="{FF2B5EF4-FFF2-40B4-BE49-F238E27FC236}">
+                <a16:creationId xmlns:a16="http://schemas.microsoft.com/office/drawing/2014/main" id="{16893021-84F7-064D-808A-A86BEB7EE8A0}"/>
+              </a:ext>
+            </a:extLst>
+          </p:cNvPr>
+          <p:cNvSpPr txBox="1"/>
+          <p:nvPr/>
+        </p:nvSpPr>
+        <p:spPr>
+          <a:xfrm>
+            <a:off x="0" y="6538912"/>
+            <a:ext cx="1243161" cy="276999"/>
+          </a:xfrm>
+          <a:prstGeom prst="rect">
+            <a:avLst/>
+          </a:prstGeom>
+          <a:noFill/>
+        </p:spPr>
+        <p:txBody>
+          <a:bodyPr wrap="none" rtlCol="0">
+            <a:spAutoFit/>
+          </a:bodyPr>
+          <a:lstStyle/>
+          <a:p>
+            <a:r>
+              <a:rPr lang="en-US" sz="1200" dirty="0">
+                <a:solidFill>
+                  <a:schemeClr val="tx1">
+                    <a:lumMod val="50000"/>
+                    <a:lumOff val="50000"/>
+                  </a:schemeClr>
+                </a:solidFill>
+              </a:rPr>
+              <a:t>PAT06_BoW.pptx</a:t>
+            </a:r>
+          </a:p>
+        </p:txBody>
+      </p:sp>
     </p:spTree>
     <p:extLst>
       <p:ext uri="{BB962C8B-B14F-4D97-AF65-F5344CB8AC3E}">
@@ -49316,6 +51563,77 @@
           </a:p>
         </p:txBody>
       </p:sp>
+      <p:sp>
+        <p:nvSpPr>
+          <p:cNvPr id="3" name="Slide Number Placeholder 2">
+            <a:extLst>
+              <a:ext uri="{FF2B5EF4-FFF2-40B4-BE49-F238E27FC236}">
+                <a16:creationId xmlns:a16="http://schemas.microsoft.com/office/drawing/2014/main" id="{3A6FF270-31B9-E941-82CE-85911BC23B45}"/>
+              </a:ext>
+            </a:extLst>
+          </p:cNvPr>
+          <p:cNvSpPr>
+            <a:spLocks noGrp="1"/>
+          </p:cNvSpPr>
+          <p:nvPr>
+            <p:ph type="sldNum" sz="quarter" idx="12"/>
+          </p:nvPr>
+        </p:nvSpPr>
+        <p:spPr/>
+        <p:txBody>
+          <a:bodyPr/>
+          <a:lstStyle/>
+          <a:p>
+            <a:fld id="{9C0B2870-7350-8D40-A01A-CE539DF873CB}" type="slidenum">
+              <a:rPr lang="en-US" smtClean="0"/>
+              <a:t>7</a:t>
+            </a:fld>
+            <a:endParaRPr lang="en-US"/>
+          </a:p>
+        </p:txBody>
+      </p:sp>
+      <p:sp>
+        <p:nvSpPr>
+          <p:cNvPr id="77" name="TextBox 76">
+            <a:extLst>
+              <a:ext uri="{FF2B5EF4-FFF2-40B4-BE49-F238E27FC236}">
+                <a16:creationId xmlns:a16="http://schemas.microsoft.com/office/drawing/2014/main" id="{7BD75997-9F94-7449-87FD-9619EDBEEF9E}"/>
+              </a:ext>
+            </a:extLst>
+          </p:cNvPr>
+          <p:cNvSpPr txBox="1"/>
+          <p:nvPr/>
+        </p:nvSpPr>
+        <p:spPr>
+          <a:xfrm>
+            <a:off x="0" y="6538912"/>
+            <a:ext cx="1243161" cy="276999"/>
+          </a:xfrm>
+          <a:prstGeom prst="rect">
+            <a:avLst/>
+          </a:prstGeom>
+          <a:noFill/>
+        </p:spPr>
+        <p:txBody>
+          <a:bodyPr wrap="none" rtlCol="0">
+            <a:spAutoFit/>
+          </a:bodyPr>
+          <a:lstStyle/>
+          <a:p>
+            <a:r>
+              <a:rPr lang="en-US" sz="1200" dirty="0">
+                <a:solidFill>
+                  <a:schemeClr val="tx1">
+                    <a:lumMod val="50000"/>
+                    <a:lumOff val="50000"/>
+                  </a:schemeClr>
+                </a:solidFill>
+              </a:rPr>
+              <a:t>PAT06_BoW.pptx</a:t>
+            </a:r>
+          </a:p>
+        </p:txBody>
+      </p:sp>
     </p:spTree>
     <p:extLst>
       <p:ext uri="{BB962C8B-B14F-4D97-AF65-F5344CB8AC3E}">
@@ -51349,6 +53667,35 @@
               </a:rPr>
               <a:t>.</a:t>
             </a:r>
+          </a:p>
+        </p:txBody>
+      </p:sp>
+      <p:sp>
+        <p:nvSpPr>
+          <p:cNvPr id="3" name="Slide Number Placeholder 2">
+            <a:extLst>
+              <a:ext uri="{FF2B5EF4-FFF2-40B4-BE49-F238E27FC236}">
+                <a16:creationId xmlns:a16="http://schemas.microsoft.com/office/drawing/2014/main" id="{A32A8A3D-7C6A-3647-B7BD-CB1F217BA596}"/>
+              </a:ext>
+            </a:extLst>
+          </p:cNvPr>
+          <p:cNvSpPr>
+            <a:spLocks noGrp="1"/>
+          </p:cNvSpPr>
+          <p:nvPr>
+            <p:ph type="sldNum" sz="quarter" idx="12"/>
+          </p:nvPr>
+        </p:nvSpPr>
+        <p:spPr/>
+        <p:txBody>
+          <a:bodyPr/>
+          <a:lstStyle/>
+          <a:p>
+            <a:fld id="{9C0B2870-7350-8D40-A01A-CE539DF873CB}" type="slidenum">
+              <a:rPr lang="en-US" smtClean="0"/>
+              <a:t>8</a:t>
+            </a:fld>
+            <a:endParaRPr lang="en-US"/>
           </a:p>
         </p:txBody>
       </p:sp>
@@ -55206,6 +57553,77 @@
           </p:txBody>
         </p:sp>
       </p:grpSp>
+      <p:sp>
+        <p:nvSpPr>
+          <p:cNvPr id="4" name="Slide Number Placeholder 3">
+            <a:extLst>
+              <a:ext uri="{FF2B5EF4-FFF2-40B4-BE49-F238E27FC236}">
+                <a16:creationId xmlns:a16="http://schemas.microsoft.com/office/drawing/2014/main" id="{AB59A177-DA51-0744-8EBE-B1DCF2A5082A}"/>
+              </a:ext>
+            </a:extLst>
+          </p:cNvPr>
+          <p:cNvSpPr>
+            <a:spLocks noGrp="1"/>
+          </p:cNvSpPr>
+          <p:nvPr>
+            <p:ph type="sldNum" sz="quarter" idx="12"/>
+          </p:nvPr>
+        </p:nvSpPr>
+        <p:spPr/>
+        <p:txBody>
+          <a:bodyPr/>
+          <a:lstStyle/>
+          <a:p>
+            <a:fld id="{9C0B2870-7350-8D40-A01A-CE539DF873CB}" type="slidenum">
+              <a:rPr lang="en-US" smtClean="0"/>
+              <a:t>9</a:t>
+            </a:fld>
+            <a:endParaRPr lang="en-US"/>
+          </a:p>
+        </p:txBody>
+      </p:sp>
+      <p:sp>
+        <p:nvSpPr>
+          <p:cNvPr id="123" name="TextBox 122">
+            <a:extLst>
+              <a:ext uri="{FF2B5EF4-FFF2-40B4-BE49-F238E27FC236}">
+                <a16:creationId xmlns:a16="http://schemas.microsoft.com/office/drawing/2014/main" id="{4F76D51C-3868-C549-B60C-662714DD7E99}"/>
+              </a:ext>
+            </a:extLst>
+          </p:cNvPr>
+          <p:cNvSpPr txBox="1"/>
+          <p:nvPr/>
+        </p:nvSpPr>
+        <p:spPr>
+          <a:xfrm>
+            <a:off x="0" y="6538912"/>
+            <a:ext cx="1243161" cy="276999"/>
+          </a:xfrm>
+          <a:prstGeom prst="rect">
+            <a:avLst/>
+          </a:prstGeom>
+          <a:noFill/>
+        </p:spPr>
+        <p:txBody>
+          <a:bodyPr wrap="none" rtlCol="0">
+            <a:spAutoFit/>
+          </a:bodyPr>
+          <a:lstStyle/>
+          <a:p>
+            <a:r>
+              <a:rPr lang="en-US" sz="1200" dirty="0">
+                <a:solidFill>
+                  <a:schemeClr val="tx1">
+                    <a:lumMod val="50000"/>
+                    <a:lumOff val="50000"/>
+                  </a:schemeClr>
+                </a:solidFill>
+              </a:rPr>
+              <a:t>PAT06_BoW.pptx</a:t>
+            </a:r>
+          </a:p>
+        </p:txBody>
+      </p:sp>
     </p:spTree>
     <p:extLst>
       <p:ext uri="{BB962C8B-B14F-4D97-AF65-F5344CB8AC3E}">
